--- a/labs/WSAA6DR8.1 Virtual Environments_ed.pptx
+++ b/labs/WSAA6DR8.1 Virtual Environments_ed.pptx
@@ -66,20 +66,17 @@
             <a:noAutofit/>
           </a:bodyPr>
           <a:p>
-            <a:r>
-              <a:rPr b="0" lang="en-US" sz="1800" spc="-1" strike="noStrike">
-                <a:solidFill>
-                  <a:srgbClr val="000000"/>
-                </a:solidFill>
-                <a:latin typeface="Rockwell"/>
+            <a:pPr algn="ctr">
+              <a:buNone/>
+            </a:pPr>
+            <a:r>
+              <a:rPr b="0" lang="en-IE" sz="4400" spc="-1" strike="noStrike">
+                <a:latin typeface="Arial"/>
               </a:rPr>
               <a:t>Click to move the slide</a:t>
             </a:r>
-            <a:endParaRPr b="0" lang="en-US" sz="1800" spc="-1" strike="noStrike">
-              <a:solidFill>
-                <a:srgbClr val="000000"/>
-              </a:solidFill>
-              <a:latin typeface="Rockwell"/>
+            <a:endParaRPr b="0" lang="en-IE" sz="4400" spc="-1" strike="noStrike">
+              <a:latin typeface="Arial"/>
             </a:endParaRPr>
           </a:p>
         </p:txBody>
@@ -301,7 +298,7 @@
             <a:pPr algn="r">
               <a:buNone/>
             </a:pPr>
-            <a:fld id="{B83CF8A2-864D-4E73-810B-08503C9E62EB}" type="slidenum">
+            <a:fld id="{0BBC1BA7-1DD3-4C89-B3EF-B6529FE4EEA4}" type="slidenum">
               <a:rPr b="0" lang="en-IE" sz="1400" spc="-1" strike="noStrike">
                 <a:latin typeface="Times New Roman"/>
               </a:rPr>
@@ -349,7 +346,7 @@
         <p:spPr>
           <a:xfrm>
             <a:off x="216000" y="812520"/>
-            <a:ext cx="7127280" cy="4008960"/>
+            <a:ext cx="7126920" cy="4008600"/>
           </a:xfrm>
           <a:prstGeom prst="rect">
             <a:avLst/>
@@ -372,7 +369,7 @@
         <p:spPr>
           <a:xfrm>
             <a:off x="756000" y="5078520"/>
-            <a:ext cx="6047640" cy="4811040"/>
+            <a:ext cx="6047280" cy="4810680"/>
           </a:xfrm>
           <a:prstGeom prst="rect">
             <a:avLst/>
@@ -387,6 +384,12 @@
             <a:noAutofit/>
           </a:bodyPr>
           <a:p>
+            <a:pPr marL="216000" indent="-216000">
+              <a:lnSpc>
+                <a:spcPct val="100000"/>
+              </a:lnSpc>
+              <a:buNone/>
+            </a:pPr>
             <a:r>
               <a:rPr b="0" lang="en-IE" sz="2000" spc="-1" strike="noStrike">
                 <a:latin typeface="Arial"/>
@@ -398,8 +401,18 @@
             </a:endParaRPr>
           </a:p>
           <a:p>
-            <a:r>
-              <a:rPr b="0" lang="en-IE" sz="2000" spc="-1" strike="noStrike">
+            <a:pPr marL="216000" indent="-216000">
+              <a:lnSpc>
+                <a:spcPct val="100000"/>
+              </a:lnSpc>
+              <a:buNone/>
+            </a:pPr>
+            <a:r>
+              <a:rPr b="0" lang="en-IE" sz="2000" spc="-1" strike="noStrike" u="sng">
+                <a:solidFill>
+                  <a:srgbClr val="000000"/>
+                </a:solidFill>
+                <a:uFillTx/>
                 <a:latin typeface="Arial"/>
                 <a:hlinkClick r:id="rId1"/>
               </a:rPr>
@@ -410,11 +423,23 @@
             </a:endParaRPr>
           </a:p>
           <a:p>
+            <a:pPr marL="216000" indent="-216000">
+              <a:lnSpc>
+                <a:spcPct val="100000"/>
+              </a:lnSpc>
+              <a:buNone/>
+            </a:pPr>
             <a:endParaRPr b="0" lang="en-IE" sz="2000" spc="-1" strike="noStrike">
               <a:latin typeface="Arial"/>
             </a:endParaRPr>
           </a:p>
           <a:p>
+            <a:pPr marL="216000" indent="-216000">
+              <a:lnSpc>
+                <a:spcPct val="100000"/>
+              </a:lnSpc>
+              <a:buNone/>
+            </a:pPr>
             <a:r>
               <a:rPr b="0" lang="en-IE" sz="2000" spc="-1" strike="noStrike">
                 <a:latin typeface="Arial"/>
@@ -426,8 +451,18 @@
             </a:endParaRPr>
           </a:p>
           <a:p>
-            <a:r>
-              <a:rPr b="0" lang="en-IE" sz="2000" spc="-1" strike="noStrike">
+            <a:pPr marL="216000" indent="-216000">
+              <a:lnSpc>
+                <a:spcPct val="100000"/>
+              </a:lnSpc>
+              <a:buNone/>
+            </a:pPr>
+            <a:r>
+              <a:rPr b="0" lang="en-IE" sz="2000" spc="-1" strike="noStrike" u="sng">
+                <a:solidFill>
+                  <a:srgbClr val="000000"/>
+                </a:solidFill>
+                <a:uFillTx/>
                 <a:latin typeface="Arial"/>
                 <a:hlinkClick r:id="rId2"/>
               </a:rPr>
@@ -438,11 +473,23 @@
             </a:endParaRPr>
           </a:p>
           <a:p>
+            <a:pPr marL="216000" indent="-216000">
+              <a:lnSpc>
+                <a:spcPct val="100000"/>
+              </a:lnSpc>
+              <a:buNone/>
+            </a:pPr>
             <a:endParaRPr b="0" lang="en-IE" sz="2000" spc="-1" strike="noStrike">
               <a:latin typeface="Arial"/>
             </a:endParaRPr>
           </a:p>
           <a:p>
+            <a:pPr marL="216000" indent="-216000">
+              <a:lnSpc>
+                <a:spcPct val="100000"/>
+              </a:lnSpc>
+              <a:buNone/>
+            </a:pPr>
             <a:r>
               <a:rPr b="0" lang="en-IE" sz="2000" spc="-1" strike="noStrike">
                 <a:latin typeface="Arial"/>
@@ -453,13 +500,71 @@
               <a:rPr b="0" lang="en-IE" sz="2000" spc="-1" strike="noStrike">
                 <a:latin typeface="Arial"/>
               </a:rPr>
-              <a:t>virtual machines. These are ways of storing different sets of packages and different versions of Python. So you can move your code from one machine to another.</a:t>
+              <a:t>virtual machines. These are ways of storing different sets of packages and different </a:t>
+            </a:r>
+            <a:r>
+              <a:rPr b="0" lang="en-IE" sz="2000" spc="-1" strike="noStrike">
+                <a:latin typeface="Arial"/>
+              </a:rPr>
+              <a:t>versions of Python. So you can move your code from one machine to another.</a:t>
             </a:r>
             <a:endParaRPr b="0" lang="en-IE" sz="2000" spc="-1" strike="noStrike">
               <a:latin typeface="Arial"/>
             </a:endParaRPr>
           </a:p>
           <a:p>
+            <a:pPr marL="216000" indent="-216000">
+              <a:lnSpc>
+                <a:spcPct val="100000"/>
+              </a:lnSpc>
+              <a:buNone/>
+            </a:pPr>
+            <a:endParaRPr b="0" lang="en-IE" sz="2000" spc="-1" strike="noStrike">
+              <a:latin typeface="Arial"/>
+            </a:endParaRPr>
+          </a:p>
+          <a:p>
+            <a:pPr marL="216000" indent="-216000">
+              <a:lnSpc>
+                <a:spcPct val="100000"/>
+              </a:lnSpc>
+              <a:buNone/>
+            </a:pPr>
+            <a:r>
+              <a:rPr b="0" lang="en-IE" sz="2000" spc="-1" strike="noStrike">
+                <a:latin typeface="Arial"/>
+              </a:rPr>
+              <a:t>    </a:t>
+            </a:r>
+            <a:r>
+              <a:rPr b="0" lang="en-IE" sz="2000" spc="-1" strike="noStrike">
+                <a:latin typeface="Arial"/>
+              </a:rPr>
+              <a:t>Flask and virtual environments</a:t>
+            </a:r>
+            <a:endParaRPr b="0" lang="en-IE" sz="2000" spc="-1" strike="noStrike">
+              <a:latin typeface="Arial"/>
+            </a:endParaRPr>
+          </a:p>
+          <a:p>
+            <a:pPr marL="216000" indent="-216000">
+              <a:lnSpc>
+                <a:spcPct val="100000"/>
+              </a:lnSpc>
+              <a:buNone/>
+            </a:pPr>
+            <a:r>
+              <a:rPr b="0" lang="en-IE" sz="2000" spc="-1" strike="noStrike">
+                <a:latin typeface="Arial"/>
+              </a:rPr>
+              <a:t>    </a:t>
+            </a:r>
+            <a:r>
+              <a:rPr b="0" lang="en-IE" sz="2000" spc="-1" strike="noStrike">
+                <a:latin typeface="Arial"/>
+              </a:rPr>
+              <a:t>Practical lecture on creating web-applications and designing example APIs </a:t>
+            </a:r>
             <a:endParaRPr b="0" lang="en-IE" sz="2000" spc="-1" strike="noStrike">
               <a:latin typeface="Arial"/>
             </a:endParaRPr>
@@ -501,7 +606,7 @@
         <p:spPr>
           <a:xfrm>
             <a:off x="216000" y="812520"/>
-            <a:ext cx="7127280" cy="4008960"/>
+            <a:ext cx="7126920" cy="4008600"/>
           </a:xfrm>
           <a:prstGeom prst="rect">
             <a:avLst/>
@@ -524,7 +629,7 @@
         <p:spPr>
           <a:xfrm>
             <a:off x="756000" y="5078520"/>
-            <a:ext cx="6047640" cy="4811040"/>
+            <a:ext cx="6047280" cy="4810680"/>
           </a:xfrm>
           <a:prstGeom prst="rect">
             <a:avLst/>
@@ -539,6 +644,12 @@
             <a:noAutofit/>
           </a:bodyPr>
           <a:p>
+            <a:pPr marL="216000" indent="-216000">
+              <a:lnSpc>
+                <a:spcPct val="100000"/>
+              </a:lnSpc>
+              <a:buNone/>
+            </a:pPr>
             <a:r>
               <a:rPr b="0" lang="en-IE" sz="2000" spc="-1" strike="noStrike">
                 <a:latin typeface="Arial"/>
@@ -586,7 +697,7 @@
         <p:spPr>
           <a:xfrm>
             <a:off x="216000" y="812520"/>
-            <a:ext cx="7127280" cy="4008960"/>
+            <a:ext cx="7126920" cy="4008600"/>
           </a:xfrm>
           <a:prstGeom prst="rect">
             <a:avLst/>
@@ -609,7 +720,7 @@
         <p:spPr>
           <a:xfrm>
             <a:off x="180000" y="5078520"/>
-            <a:ext cx="7200000" cy="4811040"/>
+            <a:ext cx="7199640" cy="4810680"/>
           </a:xfrm>
           <a:prstGeom prst="rect">
             <a:avLst/>
@@ -624,6 +735,12 @@
             <a:noAutofit/>
           </a:bodyPr>
           <a:p>
+            <a:pPr marL="216000" indent="-216000">
+              <a:lnSpc>
+                <a:spcPct val="100000"/>
+              </a:lnSpc>
+              <a:buNone/>
+            </a:pPr>
             <a:r>
               <a:rPr b="0" lang="en-IE" sz="1800" spc="-1" strike="noStrike">
                 <a:latin typeface="Arial"/>
@@ -641,11 +758,23 @@
             </a:endParaRPr>
           </a:p>
           <a:p>
+            <a:pPr marL="216000" indent="-216000">
+              <a:lnSpc>
+                <a:spcPct val="100000"/>
+              </a:lnSpc>
+              <a:buNone/>
+            </a:pPr>
             <a:endParaRPr b="0" lang="en-IE" sz="1800" spc="-1" strike="noStrike">
               <a:latin typeface="Arial"/>
             </a:endParaRPr>
           </a:p>
           <a:p>
+            <a:pPr marL="216000" indent="-216000">
+              <a:lnSpc>
+                <a:spcPct val="100000"/>
+              </a:lnSpc>
+              <a:buNone/>
+            </a:pPr>
             <a:r>
               <a:rPr b="0" lang="en-IE" sz="1800" spc="-1" strike="noStrike">
                 <a:latin typeface="Arial"/>
@@ -657,11 +786,23 @@
             </a:endParaRPr>
           </a:p>
           <a:p>
+            <a:pPr marL="216000" indent="-216000">
+              <a:lnSpc>
+                <a:spcPct val="100000"/>
+              </a:lnSpc>
+              <a:buNone/>
+            </a:pPr>
             <a:endParaRPr b="0" lang="en-IE" sz="1800" spc="-1" strike="noStrike">
               <a:latin typeface="Arial"/>
             </a:endParaRPr>
           </a:p>
           <a:p>
+            <a:pPr marL="216000" indent="-216000">
+              <a:lnSpc>
+                <a:spcPct val="100000"/>
+              </a:lnSpc>
+              <a:buNone/>
+            </a:pPr>
             <a:r>
               <a:rPr b="0" lang="en-IE" sz="2400" spc="-1" strike="noStrike">
                 <a:latin typeface="Arial"/>
@@ -673,6 +814,12 @@
             </a:endParaRPr>
           </a:p>
           <a:p>
+            <a:pPr marL="216000" indent="-216000">
+              <a:lnSpc>
+                <a:spcPct val="100000"/>
+              </a:lnSpc>
+              <a:buNone/>
+            </a:pPr>
             <a:r>
               <a:rPr b="0" lang="en-IE" sz="2400" spc="-1" strike="noStrike">
                 <a:latin typeface="Arial"/>
@@ -720,7 +867,7 @@
         <p:spPr>
           <a:xfrm>
             <a:off x="216000" y="812520"/>
-            <a:ext cx="7127280" cy="4008960"/>
+            <a:ext cx="7126920" cy="4008600"/>
           </a:xfrm>
           <a:prstGeom prst="rect">
             <a:avLst/>
@@ -743,7 +890,7 @@
         <p:spPr>
           <a:xfrm>
             <a:off x="756000" y="5078520"/>
-            <a:ext cx="6047640" cy="4811040"/>
+            <a:ext cx="6047280" cy="4810680"/>
           </a:xfrm>
           <a:prstGeom prst="rect">
             <a:avLst/>
@@ -758,18 +905,18 @@
             <a:noAutofit/>
           </a:bodyPr>
           <a:p>
+            <a:pPr marL="216000" indent="-216000">
+              <a:lnSpc>
+                <a:spcPct val="100000"/>
+              </a:lnSpc>
+              <a:buNone/>
+            </a:pPr>
             <a:r>
               <a:rPr b="0" lang="en-IE" sz="2000" spc="-1" strike="noStrike">
                 <a:latin typeface="Arial"/>
                 <a:ea typeface="Noto Sans CJK SC"/>
               </a:rPr>
-              <a:t>you should make sure that you put TV into the .gitignore because you don't want this going up to GitHub. I say that the next slide. I think so in your dot get ignore file if you created one that has the default one that has from Python it will already have VM the VM directory in it so it will stop it being uploaded to GitHub. If you don't have a </a:t>
-            </a:r>
-            <a:r>
-              <a:rPr b="0" lang="en-IE" sz="2000" spc="-1" strike="noStrike">
-                <a:latin typeface="Arial"/>
-              </a:rPr>
-              <a:t>.gitignore file in your parent directory then it will put the VM's up and you don't really want to do that. It's a waste. The virtual environment is particularly for your machine.</a:t>
+              <a:t>you should make sure that you put TV into the .gitignore because you don't want this going up to GitHub. I say that the next slide. I think so in your dot get ignore file if you created one that has the default one that has from Python it will already have VM the VM directory in it so it will stop it being uploaded to GitHub. If you don't have a .gitignore file in your parent directory then it will put the VM's up and you don't really want to do that. It's a waste. The virtual environment is particularly for your machine.</a:t>
             </a:r>
             <a:endParaRPr b="0" lang="en-IE" sz="2000" spc="-1" strike="noStrike">
               <a:latin typeface="Arial"/>
@@ -806,7 +953,7 @@
             <a:spLocks noGrp="1"/>
           </p:cNvSpPr>
           <p:nvPr>
-            <p:ph type="ftr" idx="2"/>
+            <p:ph type="ftr" idx="1"/>
           </p:nvPr>
         </p:nvSpPr>
         <p:spPr/>
@@ -826,14 +973,14 @@
             <a:spLocks noGrp="1"/>
           </p:cNvSpPr>
           <p:nvPr>
-            <p:ph type="sldNum" idx="3"/>
+            <p:ph type="sldNum" idx="2"/>
           </p:nvPr>
         </p:nvSpPr>
         <p:spPr/>
         <p:txBody>
           <a:bodyPr/>
           <a:p>
-            <a:fld id="{1FF6048F-B754-4CE1-8761-B3543785C7AD}" type="slidenum">
+            <a:fld id="{E0C58698-4491-498E-BA32-23755D8EDF2C}" type="slidenum">
               <a:t>&lt;#&gt;</a:t>
             </a:fld>
           </a:p>
@@ -846,7 +993,7 @@
             <a:spLocks noGrp="1"/>
           </p:cNvSpPr>
           <p:nvPr>
-            <p:ph type="dt" idx="1"/>
+            <p:ph type="dt" idx="3"/>
           </p:nvPr>
         </p:nvSpPr>
         <p:spPr/>
@@ -894,8 +1041,8 @@
         </p:nvSpPr>
         <p:spPr>
           <a:xfrm>
-            <a:off x="1069920" y="484560"/>
-            <a:ext cx="10058040" cy="1608840"/>
+            <a:off x="609480" y="273600"/>
+            <a:ext cx="10972440" cy="1144800"/>
           </a:xfrm>
           <a:prstGeom prst="rect">
             <a:avLst/>
@@ -910,11 +1057,11 @@
             <a:noAutofit/>
           </a:bodyPr>
           <a:p>
-            <a:endParaRPr b="0" lang="en-US" sz="1800" spc="-1" strike="noStrike">
-              <a:solidFill>
-                <a:srgbClr val="000000"/>
-              </a:solidFill>
-              <a:latin typeface="Rockwell"/>
+            <a:pPr algn="ctr">
+              <a:buNone/>
+            </a:pPr>
+            <a:endParaRPr b="0" lang="en-IE" sz="4400" spc="-1" strike="noStrike">
+              <a:latin typeface="Arial"/>
             </a:endParaRPr>
           </a:p>
         </p:txBody>
@@ -931,8 +1078,8 @@
         </p:nvSpPr>
         <p:spPr>
           <a:xfrm>
-            <a:off x="1069920" y="2121480"/>
-            <a:ext cx="10058040" cy="1931760"/>
+            <a:off x="609480" y="1604520"/>
+            <a:ext cx="10972440" cy="1896840"/>
           </a:xfrm>
           <a:prstGeom prst="rect">
             <a:avLst/>
@@ -947,20 +1094,8 @@
             <a:normAutofit/>
           </a:bodyPr>
           <a:p>
-            <a:pPr>
-              <a:lnSpc>
-                <a:spcPct val="90000"/>
-              </a:lnSpc>
-              <a:spcBef>
-                <a:spcPts val="1417"/>
-              </a:spcBef>
-              <a:buNone/>
-            </a:pPr>
-            <a:endParaRPr b="0" lang="en-US" sz="2000" spc="-1" strike="noStrike">
-              <a:solidFill>
-                <a:srgbClr val="000000"/>
-              </a:solidFill>
-              <a:latin typeface="Rockwell"/>
+            <a:endParaRPr b="0" lang="en-IE" sz="3200" spc="-1" strike="noStrike">
+              <a:latin typeface="Arial"/>
             </a:endParaRPr>
           </a:p>
         </p:txBody>
@@ -977,8 +1112,8 @@
         </p:nvSpPr>
         <p:spPr>
           <a:xfrm>
-            <a:off x="1069920" y="4237200"/>
-            <a:ext cx="10058040" cy="1931760"/>
+            <a:off x="609480" y="3682080"/>
+            <a:ext cx="10972440" cy="1896840"/>
           </a:xfrm>
           <a:prstGeom prst="rect">
             <a:avLst/>
@@ -993,20 +1128,8 @@
             <a:normAutofit/>
           </a:bodyPr>
           <a:p>
-            <a:pPr>
-              <a:lnSpc>
-                <a:spcPct val="90000"/>
-              </a:lnSpc>
-              <a:spcBef>
-                <a:spcPts val="1417"/>
-              </a:spcBef>
-              <a:buNone/>
-            </a:pPr>
-            <a:endParaRPr b="0" lang="en-US" sz="2000" spc="-1" strike="noStrike">
-              <a:solidFill>
-                <a:srgbClr val="000000"/>
-              </a:solidFill>
-              <a:latin typeface="Rockwell"/>
+            <a:endParaRPr b="0" lang="en-IE" sz="3200" spc="-1" strike="noStrike">
+              <a:latin typeface="Arial"/>
             </a:endParaRPr>
           </a:p>
         </p:txBody>
@@ -1018,7 +1141,7 @@
             <a:spLocks noGrp="1"/>
           </p:cNvSpPr>
           <p:nvPr>
-            <p:ph type="ftr" idx="2"/>
+            <p:ph type="ftr" idx="1"/>
           </p:nvPr>
         </p:nvSpPr>
         <p:spPr/>
@@ -1038,14 +1161,14 @@
             <a:spLocks noGrp="1"/>
           </p:cNvSpPr>
           <p:nvPr>
-            <p:ph type="sldNum" idx="3"/>
+            <p:ph type="sldNum" idx="2"/>
           </p:nvPr>
         </p:nvSpPr>
         <p:spPr/>
         <p:txBody>
           <a:bodyPr/>
           <a:p>
-            <a:fld id="{2A651BEB-691D-463A-B4A1-4E1E1CFC5EF8}" type="slidenum">
+            <a:fld id="{29F59D50-3CB0-411C-82F2-D3FDB89EC191}" type="slidenum">
               <a:t>&lt;#&gt;</a:t>
             </a:fld>
           </a:p>
@@ -1058,7 +1181,7 @@
             <a:spLocks noGrp="1"/>
           </p:cNvSpPr>
           <p:nvPr>
-            <p:ph type="dt" idx="1"/>
+            <p:ph type="dt" idx="3"/>
           </p:nvPr>
         </p:nvSpPr>
         <p:spPr/>
@@ -1106,8 +1229,8 @@
         </p:nvSpPr>
         <p:spPr>
           <a:xfrm>
-            <a:off x="1069920" y="484560"/>
-            <a:ext cx="10058040" cy="1608840"/>
+            <a:off x="609480" y="273600"/>
+            <a:ext cx="10972440" cy="1144800"/>
           </a:xfrm>
           <a:prstGeom prst="rect">
             <a:avLst/>
@@ -1122,11 +1245,11 @@
             <a:noAutofit/>
           </a:bodyPr>
           <a:p>
-            <a:endParaRPr b="0" lang="en-US" sz="1800" spc="-1" strike="noStrike">
-              <a:solidFill>
-                <a:srgbClr val="000000"/>
-              </a:solidFill>
-              <a:latin typeface="Rockwell"/>
+            <a:pPr algn="ctr">
+              <a:buNone/>
+            </a:pPr>
+            <a:endParaRPr b="0" lang="en-IE" sz="4400" spc="-1" strike="noStrike">
+              <a:latin typeface="Arial"/>
             </a:endParaRPr>
           </a:p>
         </p:txBody>
@@ -1143,8 +1266,8 @@
         </p:nvSpPr>
         <p:spPr>
           <a:xfrm>
-            <a:off x="1069920" y="2121480"/>
-            <a:ext cx="4908240" cy="1931760"/>
+            <a:off x="609480" y="1604520"/>
+            <a:ext cx="5354280" cy="1896840"/>
           </a:xfrm>
           <a:prstGeom prst="rect">
             <a:avLst/>
@@ -1159,20 +1282,8 @@
             <a:normAutofit/>
           </a:bodyPr>
           <a:p>
-            <a:pPr>
-              <a:lnSpc>
-                <a:spcPct val="90000"/>
-              </a:lnSpc>
-              <a:spcBef>
-                <a:spcPts val="1417"/>
-              </a:spcBef>
-              <a:buNone/>
-            </a:pPr>
-            <a:endParaRPr b="0" lang="en-US" sz="2000" spc="-1" strike="noStrike">
-              <a:solidFill>
-                <a:srgbClr val="000000"/>
-              </a:solidFill>
-              <a:latin typeface="Rockwell"/>
+            <a:endParaRPr b="0" lang="en-IE" sz="3200" spc="-1" strike="noStrike">
+              <a:latin typeface="Arial"/>
             </a:endParaRPr>
           </a:p>
         </p:txBody>
@@ -1189,8 +1300,8 @@
         </p:nvSpPr>
         <p:spPr>
           <a:xfrm>
-            <a:off x="6224040" y="2121480"/>
-            <a:ext cx="4908240" cy="1931760"/>
+            <a:off x="6231960" y="1604520"/>
+            <a:ext cx="5354280" cy="1896840"/>
           </a:xfrm>
           <a:prstGeom prst="rect">
             <a:avLst/>
@@ -1205,20 +1316,8 @@
             <a:normAutofit/>
           </a:bodyPr>
           <a:p>
-            <a:pPr>
-              <a:lnSpc>
-                <a:spcPct val="90000"/>
-              </a:lnSpc>
-              <a:spcBef>
-                <a:spcPts val="1417"/>
-              </a:spcBef>
-              <a:buNone/>
-            </a:pPr>
-            <a:endParaRPr b="0" lang="en-US" sz="2000" spc="-1" strike="noStrike">
-              <a:solidFill>
-                <a:srgbClr val="000000"/>
-              </a:solidFill>
-              <a:latin typeface="Rockwell"/>
+            <a:endParaRPr b="0" lang="en-IE" sz="3200" spc="-1" strike="noStrike">
+              <a:latin typeface="Arial"/>
             </a:endParaRPr>
           </a:p>
         </p:txBody>
@@ -1235,8 +1334,8 @@
         </p:nvSpPr>
         <p:spPr>
           <a:xfrm>
-            <a:off x="1069920" y="4237200"/>
-            <a:ext cx="4908240" cy="1931760"/>
+            <a:off x="609480" y="3682080"/>
+            <a:ext cx="5354280" cy="1896840"/>
           </a:xfrm>
           <a:prstGeom prst="rect">
             <a:avLst/>
@@ -1251,20 +1350,8 @@
             <a:normAutofit/>
           </a:bodyPr>
           <a:p>
-            <a:pPr>
-              <a:lnSpc>
-                <a:spcPct val="90000"/>
-              </a:lnSpc>
-              <a:spcBef>
-                <a:spcPts val="1417"/>
-              </a:spcBef>
-              <a:buNone/>
-            </a:pPr>
-            <a:endParaRPr b="0" lang="en-US" sz="2000" spc="-1" strike="noStrike">
-              <a:solidFill>
-                <a:srgbClr val="000000"/>
-              </a:solidFill>
-              <a:latin typeface="Rockwell"/>
+            <a:endParaRPr b="0" lang="en-IE" sz="3200" spc="-1" strike="noStrike">
+              <a:latin typeface="Arial"/>
             </a:endParaRPr>
           </a:p>
         </p:txBody>
@@ -1281,8 +1368,8 @@
         </p:nvSpPr>
         <p:spPr>
           <a:xfrm>
-            <a:off x="6224040" y="4237200"/>
-            <a:ext cx="4908240" cy="1931760"/>
+            <a:off x="6231960" y="3682080"/>
+            <a:ext cx="5354280" cy="1896840"/>
           </a:xfrm>
           <a:prstGeom prst="rect">
             <a:avLst/>
@@ -1297,20 +1384,8 @@
             <a:normAutofit/>
           </a:bodyPr>
           <a:p>
-            <a:pPr>
-              <a:lnSpc>
-                <a:spcPct val="90000"/>
-              </a:lnSpc>
-              <a:spcBef>
-                <a:spcPts val="1417"/>
-              </a:spcBef>
-              <a:buNone/>
-            </a:pPr>
-            <a:endParaRPr b="0" lang="en-US" sz="2000" spc="-1" strike="noStrike">
-              <a:solidFill>
-                <a:srgbClr val="000000"/>
-              </a:solidFill>
-              <a:latin typeface="Rockwell"/>
+            <a:endParaRPr b="0" lang="en-IE" sz="3200" spc="-1" strike="noStrike">
+              <a:latin typeface="Arial"/>
             </a:endParaRPr>
           </a:p>
         </p:txBody>
@@ -1322,7 +1397,7 @@
             <a:spLocks noGrp="1"/>
           </p:cNvSpPr>
           <p:nvPr>
-            <p:ph type="ftr" idx="2"/>
+            <p:ph type="ftr" idx="1"/>
           </p:nvPr>
         </p:nvSpPr>
         <p:spPr/>
@@ -1342,14 +1417,14 @@
             <a:spLocks noGrp="1"/>
           </p:cNvSpPr>
           <p:nvPr>
-            <p:ph type="sldNum" idx="3"/>
+            <p:ph type="sldNum" idx="2"/>
           </p:nvPr>
         </p:nvSpPr>
         <p:spPr/>
         <p:txBody>
           <a:bodyPr/>
           <a:p>
-            <a:fld id="{FE549425-9CEA-4DFF-90B4-AB9B30960794}" type="slidenum">
+            <a:fld id="{64371B32-C930-407A-811C-47687C7677C0}" type="slidenum">
               <a:t>&lt;#&gt;</a:t>
             </a:fld>
           </a:p>
@@ -1362,7 +1437,7 @@
             <a:spLocks noGrp="1"/>
           </p:cNvSpPr>
           <p:nvPr>
-            <p:ph type="dt" idx="1"/>
+            <p:ph type="dt" idx="3"/>
           </p:nvPr>
         </p:nvSpPr>
         <p:spPr/>
@@ -1410,8 +1485,8 @@
         </p:nvSpPr>
         <p:spPr>
           <a:xfrm>
-            <a:off x="1069920" y="484560"/>
-            <a:ext cx="10058040" cy="1608840"/>
+            <a:off x="609480" y="273600"/>
+            <a:ext cx="10972440" cy="1144800"/>
           </a:xfrm>
           <a:prstGeom prst="rect">
             <a:avLst/>
@@ -1426,11 +1501,11 @@
             <a:noAutofit/>
           </a:bodyPr>
           <a:p>
-            <a:endParaRPr b="0" lang="en-US" sz="1800" spc="-1" strike="noStrike">
-              <a:solidFill>
-                <a:srgbClr val="000000"/>
-              </a:solidFill>
-              <a:latin typeface="Rockwell"/>
+            <a:pPr algn="ctr">
+              <a:buNone/>
+            </a:pPr>
+            <a:endParaRPr b="0" lang="en-IE" sz="4400" spc="-1" strike="noStrike">
+              <a:latin typeface="Arial"/>
             </a:endParaRPr>
           </a:p>
         </p:txBody>
@@ -1447,8 +1522,8 @@
         </p:nvSpPr>
         <p:spPr>
           <a:xfrm>
-            <a:off x="1069920" y="2121480"/>
-            <a:ext cx="3238560" cy="1931760"/>
+            <a:off x="609480" y="1604520"/>
+            <a:ext cx="3533040" cy="1896840"/>
           </a:xfrm>
           <a:prstGeom prst="rect">
             <a:avLst/>
@@ -1463,20 +1538,8 @@
             <a:normAutofit/>
           </a:bodyPr>
           <a:p>
-            <a:pPr>
-              <a:lnSpc>
-                <a:spcPct val="90000"/>
-              </a:lnSpc>
-              <a:spcBef>
-                <a:spcPts val="1417"/>
-              </a:spcBef>
-              <a:buNone/>
-            </a:pPr>
-            <a:endParaRPr b="0" lang="en-US" sz="2000" spc="-1" strike="noStrike">
-              <a:solidFill>
-                <a:srgbClr val="000000"/>
-              </a:solidFill>
-              <a:latin typeface="Rockwell"/>
+            <a:endParaRPr b="0" lang="en-IE" sz="3200" spc="-1" strike="noStrike">
+              <a:latin typeface="Arial"/>
             </a:endParaRPr>
           </a:p>
         </p:txBody>
@@ -1493,8 +1556,8 @@
         </p:nvSpPr>
         <p:spPr>
           <a:xfrm>
-            <a:off x="4470840" y="2121480"/>
-            <a:ext cx="3238560" cy="1931760"/>
+            <a:off x="4319640" y="1604520"/>
+            <a:ext cx="3533040" cy="1896840"/>
           </a:xfrm>
           <a:prstGeom prst="rect">
             <a:avLst/>
@@ -1509,20 +1572,8 @@
             <a:normAutofit/>
           </a:bodyPr>
           <a:p>
-            <a:pPr>
-              <a:lnSpc>
-                <a:spcPct val="90000"/>
-              </a:lnSpc>
-              <a:spcBef>
-                <a:spcPts val="1417"/>
-              </a:spcBef>
-              <a:buNone/>
-            </a:pPr>
-            <a:endParaRPr b="0" lang="en-US" sz="2000" spc="-1" strike="noStrike">
-              <a:solidFill>
-                <a:srgbClr val="000000"/>
-              </a:solidFill>
-              <a:latin typeface="Rockwell"/>
+            <a:endParaRPr b="0" lang="en-IE" sz="3200" spc="-1" strike="noStrike">
+              <a:latin typeface="Arial"/>
             </a:endParaRPr>
           </a:p>
         </p:txBody>
@@ -1539,8 +1590,8 @@
         </p:nvSpPr>
         <p:spPr>
           <a:xfrm>
-            <a:off x="7871760" y="2121480"/>
-            <a:ext cx="3238560" cy="1931760"/>
+            <a:off x="8029800" y="1604520"/>
+            <a:ext cx="3533040" cy="1896840"/>
           </a:xfrm>
           <a:prstGeom prst="rect">
             <a:avLst/>
@@ -1555,20 +1606,8 @@
             <a:normAutofit/>
           </a:bodyPr>
           <a:p>
-            <a:pPr>
-              <a:lnSpc>
-                <a:spcPct val="90000"/>
-              </a:lnSpc>
-              <a:spcBef>
-                <a:spcPts val="1417"/>
-              </a:spcBef>
-              <a:buNone/>
-            </a:pPr>
-            <a:endParaRPr b="0" lang="en-US" sz="2000" spc="-1" strike="noStrike">
-              <a:solidFill>
-                <a:srgbClr val="000000"/>
-              </a:solidFill>
-              <a:latin typeface="Rockwell"/>
+            <a:endParaRPr b="0" lang="en-IE" sz="3200" spc="-1" strike="noStrike">
+              <a:latin typeface="Arial"/>
             </a:endParaRPr>
           </a:p>
         </p:txBody>
@@ -1585,8 +1624,8 @@
         </p:nvSpPr>
         <p:spPr>
           <a:xfrm>
-            <a:off x="1069920" y="4237200"/>
-            <a:ext cx="3238560" cy="1931760"/>
+            <a:off x="609480" y="3682080"/>
+            <a:ext cx="3533040" cy="1896840"/>
           </a:xfrm>
           <a:prstGeom prst="rect">
             <a:avLst/>
@@ -1601,20 +1640,8 @@
             <a:normAutofit/>
           </a:bodyPr>
           <a:p>
-            <a:pPr>
-              <a:lnSpc>
-                <a:spcPct val="90000"/>
-              </a:lnSpc>
-              <a:spcBef>
-                <a:spcPts val="1417"/>
-              </a:spcBef>
-              <a:buNone/>
-            </a:pPr>
-            <a:endParaRPr b="0" lang="en-US" sz="2000" spc="-1" strike="noStrike">
-              <a:solidFill>
-                <a:srgbClr val="000000"/>
-              </a:solidFill>
-              <a:latin typeface="Rockwell"/>
+            <a:endParaRPr b="0" lang="en-IE" sz="3200" spc="-1" strike="noStrike">
+              <a:latin typeface="Arial"/>
             </a:endParaRPr>
           </a:p>
         </p:txBody>
@@ -1631,8 +1658,8 @@
         </p:nvSpPr>
         <p:spPr>
           <a:xfrm>
-            <a:off x="4470840" y="4237200"/>
-            <a:ext cx="3238560" cy="1931760"/>
+            <a:off x="4319640" y="3682080"/>
+            <a:ext cx="3533040" cy="1896840"/>
           </a:xfrm>
           <a:prstGeom prst="rect">
             <a:avLst/>
@@ -1647,20 +1674,8 @@
             <a:normAutofit/>
           </a:bodyPr>
           <a:p>
-            <a:pPr>
-              <a:lnSpc>
-                <a:spcPct val="90000"/>
-              </a:lnSpc>
-              <a:spcBef>
-                <a:spcPts val="1417"/>
-              </a:spcBef>
-              <a:buNone/>
-            </a:pPr>
-            <a:endParaRPr b="0" lang="en-US" sz="2000" spc="-1" strike="noStrike">
-              <a:solidFill>
-                <a:srgbClr val="000000"/>
-              </a:solidFill>
-              <a:latin typeface="Rockwell"/>
+            <a:endParaRPr b="0" lang="en-IE" sz="3200" spc="-1" strike="noStrike">
+              <a:latin typeface="Arial"/>
             </a:endParaRPr>
           </a:p>
         </p:txBody>
@@ -1677,8 +1692,8 @@
         </p:nvSpPr>
         <p:spPr>
           <a:xfrm>
-            <a:off x="7871760" y="4237200"/>
-            <a:ext cx="3238560" cy="1931760"/>
+            <a:off x="8029800" y="3682080"/>
+            <a:ext cx="3533040" cy="1896840"/>
           </a:xfrm>
           <a:prstGeom prst="rect">
             <a:avLst/>
@@ -1693,20 +1708,8 @@
             <a:normAutofit/>
           </a:bodyPr>
           <a:p>
-            <a:pPr>
-              <a:lnSpc>
-                <a:spcPct val="90000"/>
-              </a:lnSpc>
-              <a:spcBef>
-                <a:spcPts val="1417"/>
-              </a:spcBef>
-              <a:buNone/>
-            </a:pPr>
-            <a:endParaRPr b="0" lang="en-US" sz="2000" spc="-1" strike="noStrike">
-              <a:solidFill>
-                <a:srgbClr val="000000"/>
-              </a:solidFill>
-              <a:latin typeface="Rockwell"/>
+            <a:endParaRPr b="0" lang="en-IE" sz="3200" spc="-1" strike="noStrike">
+              <a:latin typeface="Arial"/>
             </a:endParaRPr>
           </a:p>
         </p:txBody>
@@ -1718,7 +1721,7 @@
             <a:spLocks noGrp="1"/>
           </p:cNvSpPr>
           <p:nvPr>
-            <p:ph type="ftr" idx="2"/>
+            <p:ph type="ftr" idx="1"/>
           </p:nvPr>
         </p:nvSpPr>
         <p:spPr/>
@@ -1738,14 +1741,14 @@
             <a:spLocks noGrp="1"/>
           </p:cNvSpPr>
           <p:nvPr>
-            <p:ph type="sldNum" idx="3"/>
+            <p:ph type="sldNum" idx="2"/>
           </p:nvPr>
         </p:nvSpPr>
         <p:spPr/>
         <p:txBody>
           <a:bodyPr/>
           <a:p>
-            <a:fld id="{80188EB4-6B51-4B96-8CE3-B54A10849AF3}" type="slidenum">
+            <a:fld id="{B35C4F94-E55A-44DE-ACEE-420D8F4249A4}" type="slidenum">
               <a:t>&lt;#&gt;</a:t>
             </a:fld>
           </a:p>
@@ -1758,7 +1761,7 @@
             <a:spLocks noGrp="1"/>
           </p:cNvSpPr>
           <p:nvPr>
-            <p:ph type="dt" idx="1"/>
+            <p:ph type="dt" idx="3"/>
           </p:nvPr>
         </p:nvSpPr>
         <p:spPr/>
@@ -1801,7 +1804,7 @@
             <a:spLocks noGrp="1"/>
           </p:cNvSpPr>
           <p:nvPr>
-            <p:ph type="ftr" idx="5"/>
+            <p:ph type="ftr" idx="4"/>
           </p:nvPr>
         </p:nvSpPr>
         <p:spPr/>
@@ -1821,14 +1824,14 @@
             <a:spLocks noGrp="1"/>
           </p:cNvSpPr>
           <p:nvPr>
-            <p:ph type="sldNum" idx="6"/>
+            <p:ph type="sldNum" idx="5"/>
           </p:nvPr>
         </p:nvSpPr>
         <p:spPr/>
         <p:txBody>
           <a:bodyPr/>
           <a:p>
-            <a:fld id="{EEBA742B-6745-4529-B040-329937FDCDA7}" type="slidenum">
+            <a:fld id="{9CEC7875-9F93-4939-922D-78673920EBC4}" type="slidenum">
               <a:t>&lt;#&gt;</a:t>
             </a:fld>
           </a:p>
@@ -1841,7 +1844,7 @@
             <a:spLocks noGrp="1"/>
           </p:cNvSpPr>
           <p:nvPr>
-            <p:ph type="dt" idx="4"/>
+            <p:ph type="dt" idx="6"/>
           </p:nvPr>
         </p:nvSpPr>
         <p:spPr/>
@@ -1889,8 +1892,8 @@
         </p:nvSpPr>
         <p:spPr>
           <a:xfrm>
-            <a:off x="1069920" y="484560"/>
-            <a:ext cx="10058040" cy="1608840"/>
+            <a:off x="609480" y="273600"/>
+            <a:ext cx="10972440" cy="1144800"/>
           </a:xfrm>
           <a:prstGeom prst="rect">
             <a:avLst/>
@@ -1905,11 +1908,11 @@
             <a:noAutofit/>
           </a:bodyPr>
           <a:p>
-            <a:endParaRPr b="0" lang="en-US" sz="1800" spc="-1" strike="noStrike">
-              <a:solidFill>
-                <a:srgbClr val="000000"/>
-              </a:solidFill>
-              <a:latin typeface="Rockwell"/>
+            <a:pPr algn="ctr">
+              <a:buNone/>
+            </a:pPr>
+            <a:endParaRPr b="0" lang="en-IE" sz="4400" spc="-1" strike="noStrike">
+              <a:latin typeface="Arial"/>
             </a:endParaRPr>
           </a:p>
         </p:txBody>
@@ -1926,8 +1929,8 @@
         </p:nvSpPr>
         <p:spPr>
           <a:xfrm>
-            <a:off x="1069920" y="2121480"/>
-            <a:ext cx="10058040" cy="4050360"/>
+            <a:off x="609480" y="1604520"/>
+            <a:ext cx="10972440" cy="3977280"/>
           </a:xfrm>
           <a:prstGeom prst="rect">
             <a:avLst/>
@@ -1958,7 +1961,7 @@
             <a:spLocks noGrp="1"/>
           </p:cNvSpPr>
           <p:nvPr>
-            <p:ph type="ftr" idx="5"/>
+            <p:ph type="ftr" idx="4"/>
           </p:nvPr>
         </p:nvSpPr>
         <p:spPr/>
@@ -1978,14 +1981,14 @@
             <a:spLocks noGrp="1"/>
           </p:cNvSpPr>
           <p:nvPr>
-            <p:ph type="sldNum" idx="6"/>
+            <p:ph type="sldNum" idx="5"/>
           </p:nvPr>
         </p:nvSpPr>
         <p:spPr/>
         <p:txBody>
           <a:bodyPr/>
           <a:p>
-            <a:fld id="{0B5DE60E-4D6A-4A10-947C-019D4093506A}" type="slidenum">
+            <a:fld id="{07A17223-CB17-454A-A553-D4EBC18ECD1D}" type="slidenum">
               <a:t>&lt;#&gt;</a:t>
             </a:fld>
           </a:p>
@@ -1998,7 +2001,7 @@
             <a:spLocks noGrp="1"/>
           </p:cNvSpPr>
           <p:nvPr>
-            <p:ph type="dt" idx="4"/>
+            <p:ph type="dt" idx="6"/>
           </p:nvPr>
         </p:nvSpPr>
         <p:spPr/>
@@ -2046,8 +2049,8 @@
         </p:nvSpPr>
         <p:spPr>
           <a:xfrm>
-            <a:off x="1069920" y="484560"/>
-            <a:ext cx="10058040" cy="1608840"/>
+            <a:off x="609480" y="273600"/>
+            <a:ext cx="10972440" cy="1144800"/>
           </a:xfrm>
           <a:prstGeom prst="rect">
             <a:avLst/>
@@ -2062,11 +2065,11 @@
             <a:noAutofit/>
           </a:bodyPr>
           <a:p>
-            <a:endParaRPr b="0" lang="en-US" sz="1800" spc="-1" strike="noStrike">
-              <a:solidFill>
-                <a:srgbClr val="000000"/>
-              </a:solidFill>
-              <a:latin typeface="Rockwell"/>
+            <a:pPr algn="ctr">
+              <a:buNone/>
+            </a:pPr>
+            <a:endParaRPr b="0" lang="en-IE" sz="4400" spc="-1" strike="noStrike">
+              <a:latin typeface="Arial"/>
             </a:endParaRPr>
           </a:p>
         </p:txBody>
@@ -2083,8 +2086,8 @@
         </p:nvSpPr>
         <p:spPr>
           <a:xfrm>
-            <a:off x="1069920" y="2121480"/>
-            <a:ext cx="10058040" cy="4050360"/>
+            <a:off x="609480" y="1604520"/>
+            <a:ext cx="10972440" cy="3977280"/>
           </a:xfrm>
           <a:prstGeom prst="rect">
             <a:avLst/>
@@ -2099,20 +2102,8 @@
             <a:normAutofit/>
           </a:bodyPr>
           <a:p>
-            <a:pPr>
-              <a:lnSpc>
-                <a:spcPct val="90000"/>
-              </a:lnSpc>
-              <a:spcBef>
-                <a:spcPts val="1417"/>
-              </a:spcBef>
-              <a:buNone/>
-            </a:pPr>
-            <a:endParaRPr b="0" lang="en-US" sz="2000" spc="-1" strike="noStrike">
-              <a:solidFill>
-                <a:srgbClr val="000000"/>
-              </a:solidFill>
-              <a:latin typeface="Rockwell"/>
+            <a:endParaRPr b="0" lang="en-IE" sz="3200" spc="-1" strike="noStrike">
+              <a:latin typeface="Arial"/>
             </a:endParaRPr>
           </a:p>
         </p:txBody>
@@ -2124,7 +2115,7 @@
             <a:spLocks noGrp="1"/>
           </p:cNvSpPr>
           <p:nvPr>
-            <p:ph type="ftr" idx="5"/>
+            <p:ph type="ftr" idx="4"/>
           </p:nvPr>
         </p:nvSpPr>
         <p:spPr/>
@@ -2144,14 +2135,14 @@
             <a:spLocks noGrp="1"/>
           </p:cNvSpPr>
           <p:nvPr>
-            <p:ph type="sldNum" idx="6"/>
+            <p:ph type="sldNum" idx="5"/>
           </p:nvPr>
         </p:nvSpPr>
         <p:spPr/>
         <p:txBody>
           <a:bodyPr/>
           <a:p>
-            <a:fld id="{B693DFF3-0A2B-4C41-BDB5-0461936B2814}" type="slidenum">
+            <a:fld id="{2E840B88-C7A8-45BF-AC0C-DE812AF251FA}" type="slidenum">
               <a:t>&lt;#&gt;</a:t>
             </a:fld>
           </a:p>
@@ -2164,7 +2155,7 @@
             <a:spLocks noGrp="1"/>
           </p:cNvSpPr>
           <p:nvPr>
-            <p:ph type="dt" idx="4"/>
+            <p:ph type="dt" idx="6"/>
           </p:nvPr>
         </p:nvSpPr>
         <p:spPr/>
@@ -2212,8 +2203,8 @@
         </p:nvSpPr>
         <p:spPr>
           <a:xfrm>
-            <a:off x="1069920" y="484560"/>
-            <a:ext cx="10058040" cy="1608840"/>
+            <a:off x="609480" y="273600"/>
+            <a:ext cx="10972440" cy="1144800"/>
           </a:xfrm>
           <a:prstGeom prst="rect">
             <a:avLst/>
@@ -2228,11 +2219,11 @@
             <a:noAutofit/>
           </a:bodyPr>
           <a:p>
-            <a:endParaRPr b="0" lang="en-US" sz="1800" spc="-1" strike="noStrike">
-              <a:solidFill>
-                <a:srgbClr val="000000"/>
-              </a:solidFill>
-              <a:latin typeface="Rockwell"/>
+            <a:pPr algn="ctr">
+              <a:buNone/>
+            </a:pPr>
+            <a:endParaRPr b="0" lang="en-IE" sz="4400" spc="-1" strike="noStrike">
+              <a:latin typeface="Arial"/>
             </a:endParaRPr>
           </a:p>
         </p:txBody>
@@ -2249,8 +2240,8 @@
         </p:nvSpPr>
         <p:spPr>
           <a:xfrm>
-            <a:off x="1069920" y="2121480"/>
-            <a:ext cx="4908240" cy="4050360"/>
+            <a:off x="609480" y="1604520"/>
+            <a:ext cx="5354280" cy="3977280"/>
           </a:xfrm>
           <a:prstGeom prst="rect">
             <a:avLst/>
@@ -2265,20 +2256,8 @@
             <a:normAutofit/>
           </a:bodyPr>
           <a:p>
-            <a:pPr>
-              <a:lnSpc>
-                <a:spcPct val="90000"/>
-              </a:lnSpc>
-              <a:spcBef>
-                <a:spcPts val="1417"/>
-              </a:spcBef>
-              <a:buNone/>
-            </a:pPr>
-            <a:endParaRPr b="0" lang="en-US" sz="2000" spc="-1" strike="noStrike">
-              <a:solidFill>
-                <a:srgbClr val="000000"/>
-              </a:solidFill>
-              <a:latin typeface="Rockwell"/>
+            <a:endParaRPr b="0" lang="en-IE" sz="3200" spc="-1" strike="noStrike">
+              <a:latin typeface="Arial"/>
             </a:endParaRPr>
           </a:p>
         </p:txBody>
@@ -2295,8 +2274,8 @@
         </p:nvSpPr>
         <p:spPr>
           <a:xfrm>
-            <a:off x="6224040" y="2121480"/>
-            <a:ext cx="4908240" cy="4050360"/>
+            <a:off x="6231960" y="1604520"/>
+            <a:ext cx="5354280" cy="3977280"/>
           </a:xfrm>
           <a:prstGeom prst="rect">
             <a:avLst/>
@@ -2311,20 +2290,8 @@
             <a:normAutofit/>
           </a:bodyPr>
           <a:p>
-            <a:pPr>
-              <a:lnSpc>
-                <a:spcPct val="90000"/>
-              </a:lnSpc>
-              <a:spcBef>
-                <a:spcPts val="1417"/>
-              </a:spcBef>
-              <a:buNone/>
-            </a:pPr>
-            <a:endParaRPr b="0" lang="en-US" sz="2000" spc="-1" strike="noStrike">
-              <a:solidFill>
-                <a:srgbClr val="000000"/>
-              </a:solidFill>
-              <a:latin typeface="Rockwell"/>
+            <a:endParaRPr b="0" lang="en-IE" sz="3200" spc="-1" strike="noStrike">
+              <a:latin typeface="Arial"/>
             </a:endParaRPr>
           </a:p>
         </p:txBody>
@@ -2336,7 +2303,7 @@
             <a:spLocks noGrp="1"/>
           </p:cNvSpPr>
           <p:nvPr>
-            <p:ph type="ftr" idx="5"/>
+            <p:ph type="ftr" idx="4"/>
           </p:nvPr>
         </p:nvSpPr>
         <p:spPr/>
@@ -2356,14 +2323,14 @@
             <a:spLocks noGrp="1"/>
           </p:cNvSpPr>
           <p:nvPr>
-            <p:ph type="sldNum" idx="6"/>
+            <p:ph type="sldNum" idx="5"/>
           </p:nvPr>
         </p:nvSpPr>
         <p:spPr/>
         <p:txBody>
           <a:bodyPr/>
           <a:p>
-            <a:fld id="{84E553E8-C8B0-42F3-A706-1E933994F0D8}" type="slidenum">
+            <a:fld id="{EEF350E9-1A23-4AEE-BD36-296E2F677F71}" type="slidenum">
               <a:t>&lt;#&gt;</a:t>
             </a:fld>
           </a:p>
@@ -2376,7 +2343,7 @@
             <a:spLocks noGrp="1"/>
           </p:cNvSpPr>
           <p:nvPr>
-            <p:ph type="dt" idx="4"/>
+            <p:ph type="dt" idx="6"/>
           </p:nvPr>
         </p:nvSpPr>
         <p:spPr/>
@@ -2424,8 +2391,8 @@
         </p:nvSpPr>
         <p:spPr>
           <a:xfrm>
-            <a:off x="1069920" y="484560"/>
-            <a:ext cx="10058040" cy="1608840"/>
+            <a:off x="609480" y="273600"/>
+            <a:ext cx="10972440" cy="1144800"/>
           </a:xfrm>
           <a:prstGeom prst="rect">
             <a:avLst/>
@@ -2440,11 +2407,11 @@
             <a:noAutofit/>
           </a:bodyPr>
           <a:p>
-            <a:endParaRPr b="0" lang="en-US" sz="1800" spc="-1" strike="noStrike">
-              <a:solidFill>
-                <a:srgbClr val="000000"/>
-              </a:solidFill>
-              <a:latin typeface="Rockwell"/>
+            <a:pPr algn="ctr">
+              <a:buNone/>
+            </a:pPr>
+            <a:endParaRPr b="0" lang="en-IE" sz="4400" spc="-1" strike="noStrike">
+              <a:latin typeface="Arial"/>
             </a:endParaRPr>
           </a:p>
         </p:txBody>
@@ -2456,7 +2423,7 @@
             <a:spLocks noGrp="1"/>
           </p:cNvSpPr>
           <p:nvPr>
-            <p:ph type="ftr" idx="5"/>
+            <p:ph type="ftr" idx="4"/>
           </p:nvPr>
         </p:nvSpPr>
         <p:spPr/>
@@ -2476,14 +2443,14 @@
             <a:spLocks noGrp="1"/>
           </p:cNvSpPr>
           <p:nvPr>
-            <p:ph type="sldNum" idx="6"/>
+            <p:ph type="sldNum" idx="5"/>
           </p:nvPr>
         </p:nvSpPr>
         <p:spPr/>
         <p:txBody>
           <a:bodyPr/>
           <a:p>
-            <a:fld id="{7478071F-46B5-4C1B-A254-BD8DA085191E}" type="slidenum">
+            <a:fld id="{CC3CDF2D-6D22-4327-8223-AECD229B80B5}" type="slidenum">
               <a:t>&lt;#&gt;</a:t>
             </a:fld>
           </a:p>
@@ -2496,7 +2463,7 @@
             <a:spLocks noGrp="1"/>
           </p:cNvSpPr>
           <p:nvPr>
-            <p:ph type="dt" idx="4"/>
+            <p:ph type="dt" idx="6"/>
           </p:nvPr>
         </p:nvSpPr>
         <p:spPr/>
@@ -2544,8 +2511,8 @@
         </p:nvSpPr>
         <p:spPr>
           <a:xfrm>
-            <a:off x="1069920" y="484560"/>
-            <a:ext cx="10058040" cy="7458840"/>
+            <a:off x="609480" y="273600"/>
+            <a:ext cx="10972440" cy="5307840"/>
           </a:xfrm>
           <a:prstGeom prst="rect">
             <a:avLst/>
@@ -2576,7 +2543,7 @@
             <a:spLocks noGrp="1"/>
           </p:cNvSpPr>
           <p:nvPr>
-            <p:ph type="ftr" idx="5"/>
+            <p:ph type="ftr" idx="4"/>
           </p:nvPr>
         </p:nvSpPr>
         <p:spPr/>
@@ -2596,14 +2563,14 @@
             <a:spLocks noGrp="1"/>
           </p:cNvSpPr>
           <p:nvPr>
-            <p:ph type="sldNum" idx="6"/>
+            <p:ph type="sldNum" idx="5"/>
           </p:nvPr>
         </p:nvSpPr>
         <p:spPr/>
         <p:txBody>
           <a:bodyPr/>
           <a:p>
-            <a:fld id="{3EADC9C8-CAE0-4BA2-B489-F8FE33EC6D9F}" type="slidenum">
+            <a:fld id="{74D79CAA-4831-419C-B3A8-E18162504650}" type="slidenum">
               <a:t>&lt;#&gt;</a:t>
             </a:fld>
           </a:p>
@@ -2616,7 +2583,7 @@
             <a:spLocks noGrp="1"/>
           </p:cNvSpPr>
           <p:nvPr>
-            <p:ph type="dt" idx="4"/>
+            <p:ph type="dt" idx="6"/>
           </p:nvPr>
         </p:nvSpPr>
         <p:spPr/>
@@ -2664,8 +2631,8 @@
         </p:nvSpPr>
         <p:spPr>
           <a:xfrm>
-            <a:off x="1069920" y="484560"/>
-            <a:ext cx="10058040" cy="1608840"/>
+            <a:off x="609480" y="273600"/>
+            <a:ext cx="10972440" cy="1144800"/>
           </a:xfrm>
           <a:prstGeom prst="rect">
             <a:avLst/>
@@ -2680,11 +2647,11 @@
             <a:noAutofit/>
           </a:bodyPr>
           <a:p>
-            <a:endParaRPr b="0" lang="en-US" sz="1800" spc="-1" strike="noStrike">
-              <a:solidFill>
-                <a:srgbClr val="000000"/>
-              </a:solidFill>
-              <a:latin typeface="Rockwell"/>
+            <a:pPr algn="ctr">
+              <a:buNone/>
+            </a:pPr>
+            <a:endParaRPr b="0" lang="en-IE" sz="4400" spc="-1" strike="noStrike">
+              <a:latin typeface="Arial"/>
             </a:endParaRPr>
           </a:p>
         </p:txBody>
@@ -2701,8 +2668,8 @@
         </p:nvSpPr>
         <p:spPr>
           <a:xfrm>
-            <a:off x="1069920" y="2121480"/>
-            <a:ext cx="4908240" cy="1931760"/>
+            <a:off x="609480" y="1604520"/>
+            <a:ext cx="5354280" cy="1896840"/>
           </a:xfrm>
           <a:prstGeom prst="rect">
             <a:avLst/>
@@ -2717,20 +2684,8 @@
             <a:normAutofit/>
           </a:bodyPr>
           <a:p>
-            <a:pPr>
-              <a:lnSpc>
-                <a:spcPct val="90000"/>
-              </a:lnSpc>
-              <a:spcBef>
-                <a:spcPts val="1417"/>
-              </a:spcBef>
-              <a:buNone/>
-            </a:pPr>
-            <a:endParaRPr b="0" lang="en-US" sz="2000" spc="-1" strike="noStrike">
-              <a:solidFill>
-                <a:srgbClr val="000000"/>
-              </a:solidFill>
-              <a:latin typeface="Rockwell"/>
+            <a:endParaRPr b="0" lang="en-IE" sz="3200" spc="-1" strike="noStrike">
+              <a:latin typeface="Arial"/>
             </a:endParaRPr>
           </a:p>
         </p:txBody>
@@ -2747,8 +2702,8 @@
         </p:nvSpPr>
         <p:spPr>
           <a:xfrm>
-            <a:off x="6224040" y="2121480"/>
-            <a:ext cx="4908240" cy="4050360"/>
+            <a:off x="6231960" y="1604520"/>
+            <a:ext cx="5354280" cy="3977280"/>
           </a:xfrm>
           <a:prstGeom prst="rect">
             <a:avLst/>
@@ -2763,20 +2718,8 @@
             <a:normAutofit/>
           </a:bodyPr>
           <a:p>
-            <a:pPr>
-              <a:lnSpc>
-                <a:spcPct val="90000"/>
-              </a:lnSpc>
-              <a:spcBef>
-                <a:spcPts val="1417"/>
-              </a:spcBef>
-              <a:buNone/>
-            </a:pPr>
-            <a:endParaRPr b="0" lang="en-US" sz="2000" spc="-1" strike="noStrike">
-              <a:solidFill>
-                <a:srgbClr val="000000"/>
-              </a:solidFill>
-              <a:latin typeface="Rockwell"/>
+            <a:endParaRPr b="0" lang="en-IE" sz="3200" spc="-1" strike="noStrike">
+              <a:latin typeface="Arial"/>
             </a:endParaRPr>
           </a:p>
         </p:txBody>
@@ -2793,8 +2736,8 @@
         </p:nvSpPr>
         <p:spPr>
           <a:xfrm>
-            <a:off x="1069920" y="4237200"/>
-            <a:ext cx="4908240" cy="1931760"/>
+            <a:off x="609480" y="3682080"/>
+            <a:ext cx="5354280" cy="1896840"/>
           </a:xfrm>
           <a:prstGeom prst="rect">
             <a:avLst/>
@@ -2809,20 +2752,8 @@
             <a:normAutofit/>
           </a:bodyPr>
           <a:p>
-            <a:pPr>
-              <a:lnSpc>
-                <a:spcPct val="90000"/>
-              </a:lnSpc>
-              <a:spcBef>
-                <a:spcPts val="1417"/>
-              </a:spcBef>
-              <a:buNone/>
-            </a:pPr>
-            <a:endParaRPr b="0" lang="en-US" sz="2000" spc="-1" strike="noStrike">
-              <a:solidFill>
-                <a:srgbClr val="000000"/>
-              </a:solidFill>
-              <a:latin typeface="Rockwell"/>
+            <a:endParaRPr b="0" lang="en-IE" sz="3200" spc="-1" strike="noStrike">
+              <a:latin typeface="Arial"/>
             </a:endParaRPr>
           </a:p>
         </p:txBody>
@@ -2834,7 +2765,7 @@
             <a:spLocks noGrp="1"/>
           </p:cNvSpPr>
           <p:nvPr>
-            <p:ph type="ftr" idx="5"/>
+            <p:ph type="ftr" idx="4"/>
           </p:nvPr>
         </p:nvSpPr>
         <p:spPr/>
@@ -2854,14 +2785,14 @@
             <a:spLocks noGrp="1"/>
           </p:cNvSpPr>
           <p:nvPr>
-            <p:ph type="sldNum" idx="6"/>
+            <p:ph type="sldNum" idx="5"/>
           </p:nvPr>
         </p:nvSpPr>
         <p:spPr/>
         <p:txBody>
           <a:bodyPr/>
           <a:p>
-            <a:fld id="{C5DB48F3-9A44-40FF-8F8F-A71B7B6A1783}" type="slidenum">
+            <a:fld id="{FD6ED283-A79E-4F6C-AE55-4D9E76D7E532}" type="slidenum">
               <a:t>&lt;#&gt;</a:t>
             </a:fld>
           </a:p>
@@ -2874,7 +2805,7 @@
             <a:spLocks noGrp="1"/>
           </p:cNvSpPr>
           <p:nvPr>
-            <p:ph type="dt" idx="4"/>
+            <p:ph type="dt" idx="6"/>
           </p:nvPr>
         </p:nvSpPr>
         <p:spPr/>
@@ -2922,8 +2853,8 @@
         </p:nvSpPr>
         <p:spPr>
           <a:xfrm>
-            <a:off x="1069920" y="484560"/>
-            <a:ext cx="10058040" cy="1608840"/>
+            <a:off x="609480" y="273600"/>
+            <a:ext cx="10972440" cy="1144800"/>
           </a:xfrm>
           <a:prstGeom prst="rect">
             <a:avLst/>
@@ -2938,11 +2869,11 @@
             <a:noAutofit/>
           </a:bodyPr>
           <a:p>
-            <a:endParaRPr b="0" lang="en-US" sz="1800" spc="-1" strike="noStrike">
-              <a:solidFill>
-                <a:srgbClr val="000000"/>
-              </a:solidFill>
-              <a:latin typeface="Rockwell"/>
+            <a:pPr algn="ctr">
+              <a:buNone/>
+            </a:pPr>
+            <a:endParaRPr b="0" lang="en-IE" sz="4400" spc="-1" strike="noStrike">
+              <a:latin typeface="Arial"/>
             </a:endParaRPr>
           </a:p>
         </p:txBody>
@@ -2959,8 +2890,8 @@
         </p:nvSpPr>
         <p:spPr>
           <a:xfrm>
-            <a:off x="1069920" y="2121480"/>
-            <a:ext cx="10058040" cy="4050360"/>
+            <a:off x="609480" y="1604520"/>
+            <a:ext cx="10972440" cy="3977280"/>
           </a:xfrm>
           <a:prstGeom prst="rect">
             <a:avLst/>
@@ -2991,7 +2922,7 @@
             <a:spLocks noGrp="1"/>
           </p:cNvSpPr>
           <p:nvPr>
-            <p:ph type="ftr" idx="2"/>
+            <p:ph type="ftr" idx="1"/>
           </p:nvPr>
         </p:nvSpPr>
         <p:spPr/>
@@ -3011,14 +2942,14 @@
             <a:spLocks noGrp="1"/>
           </p:cNvSpPr>
           <p:nvPr>
-            <p:ph type="sldNum" idx="3"/>
+            <p:ph type="sldNum" idx="2"/>
           </p:nvPr>
         </p:nvSpPr>
         <p:spPr/>
         <p:txBody>
           <a:bodyPr/>
           <a:p>
-            <a:fld id="{7EDC4F15-E6E9-4440-AA3E-6526432CF5E0}" type="slidenum">
+            <a:fld id="{7BD53390-165C-42DA-AA90-64E758E6FA23}" type="slidenum">
               <a:t>&lt;#&gt;</a:t>
             </a:fld>
           </a:p>
@@ -3031,7 +2962,7 @@
             <a:spLocks noGrp="1"/>
           </p:cNvSpPr>
           <p:nvPr>
-            <p:ph type="dt" idx="1"/>
+            <p:ph type="dt" idx="3"/>
           </p:nvPr>
         </p:nvSpPr>
         <p:spPr/>
@@ -3079,8 +3010,8 @@
         </p:nvSpPr>
         <p:spPr>
           <a:xfrm>
-            <a:off x="1069920" y="484560"/>
-            <a:ext cx="10058040" cy="1608840"/>
+            <a:off x="609480" y="273600"/>
+            <a:ext cx="10972440" cy="1144800"/>
           </a:xfrm>
           <a:prstGeom prst="rect">
             <a:avLst/>
@@ -3095,11 +3026,11 @@
             <a:noAutofit/>
           </a:bodyPr>
           <a:p>
-            <a:endParaRPr b="0" lang="en-US" sz="1800" spc="-1" strike="noStrike">
-              <a:solidFill>
-                <a:srgbClr val="000000"/>
-              </a:solidFill>
-              <a:latin typeface="Rockwell"/>
+            <a:pPr algn="ctr">
+              <a:buNone/>
+            </a:pPr>
+            <a:endParaRPr b="0" lang="en-IE" sz="4400" spc="-1" strike="noStrike">
+              <a:latin typeface="Arial"/>
             </a:endParaRPr>
           </a:p>
         </p:txBody>
@@ -3116,8 +3047,8 @@
         </p:nvSpPr>
         <p:spPr>
           <a:xfrm>
-            <a:off x="1069920" y="2121480"/>
-            <a:ext cx="4908240" cy="4050360"/>
+            <a:off x="609480" y="1604520"/>
+            <a:ext cx="5354280" cy="3977280"/>
           </a:xfrm>
           <a:prstGeom prst="rect">
             <a:avLst/>
@@ -3132,20 +3063,8 @@
             <a:normAutofit/>
           </a:bodyPr>
           <a:p>
-            <a:pPr>
-              <a:lnSpc>
-                <a:spcPct val="90000"/>
-              </a:lnSpc>
-              <a:spcBef>
-                <a:spcPts val="1417"/>
-              </a:spcBef>
-              <a:buNone/>
-            </a:pPr>
-            <a:endParaRPr b="0" lang="en-US" sz="2000" spc="-1" strike="noStrike">
-              <a:solidFill>
-                <a:srgbClr val="000000"/>
-              </a:solidFill>
-              <a:latin typeface="Rockwell"/>
+            <a:endParaRPr b="0" lang="en-IE" sz="3200" spc="-1" strike="noStrike">
+              <a:latin typeface="Arial"/>
             </a:endParaRPr>
           </a:p>
         </p:txBody>
@@ -3162,8 +3081,8 @@
         </p:nvSpPr>
         <p:spPr>
           <a:xfrm>
-            <a:off x="6224040" y="2121480"/>
-            <a:ext cx="4908240" cy="1931760"/>
+            <a:off x="6231960" y="1604520"/>
+            <a:ext cx="5354280" cy="1896840"/>
           </a:xfrm>
           <a:prstGeom prst="rect">
             <a:avLst/>
@@ -3178,20 +3097,8 @@
             <a:normAutofit/>
           </a:bodyPr>
           <a:p>
-            <a:pPr>
-              <a:lnSpc>
-                <a:spcPct val="90000"/>
-              </a:lnSpc>
-              <a:spcBef>
-                <a:spcPts val="1417"/>
-              </a:spcBef>
-              <a:buNone/>
-            </a:pPr>
-            <a:endParaRPr b="0" lang="en-US" sz="2000" spc="-1" strike="noStrike">
-              <a:solidFill>
-                <a:srgbClr val="000000"/>
-              </a:solidFill>
-              <a:latin typeface="Rockwell"/>
+            <a:endParaRPr b="0" lang="en-IE" sz="3200" spc="-1" strike="noStrike">
+              <a:latin typeface="Arial"/>
             </a:endParaRPr>
           </a:p>
         </p:txBody>
@@ -3208,8 +3115,8 @@
         </p:nvSpPr>
         <p:spPr>
           <a:xfrm>
-            <a:off x="6224040" y="4237200"/>
-            <a:ext cx="4908240" cy="1931760"/>
+            <a:off x="6231960" y="3682080"/>
+            <a:ext cx="5354280" cy="1896840"/>
           </a:xfrm>
           <a:prstGeom prst="rect">
             <a:avLst/>
@@ -3224,20 +3131,8 @@
             <a:normAutofit/>
           </a:bodyPr>
           <a:p>
-            <a:pPr>
-              <a:lnSpc>
-                <a:spcPct val="90000"/>
-              </a:lnSpc>
-              <a:spcBef>
-                <a:spcPts val="1417"/>
-              </a:spcBef>
-              <a:buNone/>
-            </a:pPr>
-            <a:endParaRPr b="0" lang="en-US" sz="2000" spc="-1" strike="noStrike">
-              <a:solidFill>
-                <a:srgbClr val="000000"/>
-              </a:solidFill>
-              <a:latin typeface="Rockwell"/>
+            <a:endParaRPr b="0" lang="en-IE" sz="3200" spc="-1" strike="noStrike">
+              <a:latin typeface="Arial"/>
             </a:endParaRPr>
           </a:p>
         </p:txBody>
@@ -3249,7 +3144,7 @@
             <a:spLocks noGrp="1"/>
           </p:cNvSpPr>
           <p:nvPr>
-            <p:ph type="ftr" idx="5"/>
+            <p:ph type="ftr" idx="4"/>
           </p:nvPr>
         </p:nvSpPr>
         <p:spPr/>
@@ -3269,14 +3164,14 @@
             <a:spLocks noGrp="1"/>
           </p:cNvSpPr>
           <p:nvPr>
-            <p:ph type="sldNum" idx="6"/>
+            <p:ph type="sldNum" idx="5"/>
           </p:nvPr>
         </p:nvSpPr>
         <p:spPr/>
         <p:txBody>
           <a:bodyPr/>
           <a:p>
-            <a:fld id="{9B74E4E3-8CC4-47C6-B49A-D88A781DC4FD}" type="slidenum">
+            <a:fld id="{590E0A34-D5BB-48A1-9F2A-4DF4F12CCC38}" type="slidenum">
               <a:t>&lt;#&gt;</a:t>
             </a:fld>
           </a:p>
@@ -3289,7 +3184,7 @@
             <a:spLocks noGrp="1"/>
           </p:cNvSpPr>
           <p:nvPr>
-            <p:ph type="dt" idx="4"/>
+            <p:ph type="dt" idx="6"/>
           </p:nvPr>
         </p:nvSpPr>
         <p:spPr/>
@@ -3337,8 +3232,8 @@
         </p:nvSpPr>
         <p:spPr>
           <a:xfrm>
-            <a:off x="1069920" y="484560"/>
-            <a:ext cx="10058040" cy="1608840"/>
+            <a:off x="609480" y="273600"/>
+            <a:ext cx="10972440" cy="1144800"/>
           </a:xfrm>
           <a:prstGeom prst="rect">
             <a:avLst/>
@@ -3353,11 +3248,11 @@
             <a:noAutofit/>
           </a:bodyPr>
           <a:p>
-            <a:endParaRPr b="0" lang="en-US" sz="1800" spc="-1" strike="noStrike">
-              <a:solidFill>
-                <a:srgbClr val="000000"/>
-              </a:solidFill>
-              <a:latin typeface="Rockwell"/>
+            <a:pPr algn="ctr">
+              <a:buNone/>
+            </a:pPr>
+            <a:endParaRPr b="0" lang="en-IE" sz="4400" spc="-1" strike="noStrike">
+              <a:latin typeface="Arial"/>
             </a:endParaRPr>
           </a:p>
         </p:txBody>
@@ -3374,8 +3269,8 @@
         </p:nvSpPr>
         <p:spPr>
           <a:xfrm>
-            <a:off x="1069920" y="2121480"/>
-            <a:ext cx="4908240" cy="1931760"/>
+            <a:off x="609480" y="1604520"/>
+            <a:ext cx="5354280" cy="1896840"/>
           </a:xfrm>
           <a:prstGeom prst="rect">
             <a:avLst/>
@@ -3390,20 +3285,8 @@
             <a:normAutofit/>
           </a:bodyPr>
           <a:p>
-            <a:pPr>
-              <a:lnSpc>
-                <a:spcPct val="90000"/>
-              </a:lnSpc>
-              <a:spcBef>
-                <a:spcPts val="1417"/>
-              </a:spcBef>
-              <a:buNone/>
-            </a:pPr>
-            <a:endParaRPr b="0" lang="en-US" sz="2000" spc="-1" strike="noStrike">
-              <a:solidFill>
-                <a:srgbClr val="000000"/>
-              </a:solidFill>
-              <a:latin typeface="Rockwell"/>
+            <a:endParaRPr b="0" lang="en-IE" sz="3200" spc="-1" strike="noStrike">
+              <a:latin typeface="Arial"/>
             </a:endParaRPr>
           </a:p>
         </p:txBody>
@@ -3420,8 +3303,8 @@
         </p:nvSpPr>
         <p:spPr>
           <a:xfrm>
-            <a:off x="6224040" y="2121480"/>
-            <a:ext cx="4908240" cy="1931760"/>
+            <a:off x="6231960" y="1604520"/>
+            <a:ext cx="5354280" cy="1896840"/>
           </a:xfrm>
           <a:prstGeom prst="rect">
             <a:avLst/>
@@ -3436,20 +3319,8 @@
             <a:normAutofit/>
           </a:bodyPr>
           <a:p>
-            <a:pPr>
-              <a:lnSpc>
-                <a:spcPct val="90000"/>
-              </a:lnSpc>
-              <a:spcBef>
-                <a:spcPts val="1417"/>
-              </a:spcBef>
-              <a:buNone/>
-            </a:pPr>
-            <a:endParaRPr b="0" lang="en-US" sz="2000" spc="-1" strike="noStrike">
-              <a:solidFill>
-                <a:srgbClr val="000000"/>
-              </a:solidFill>
-              <a:latin typeface="Rockwell"/>
+            <a:endParaRPr b="0" lang="en-IE" sz="3200" spc="-1" strike="noStrike">
+              <a:latin typeface="Arial"/>
             </a:endParaRPr>
           </a:p>
         </p:txBody>
@@ -3466,8 +3337,8 @@
         </p:nvSpPr>
         <p:spPr>
           <a:xfrm>
-            <a:off x="1069920" y="4237200"/>
-            <a:ext cx="10058040" cy="1931760"/>
+            <a:off x="609480" y="3682080"/>
+            <a:ext cx="10972440" cy="1896840"/>
           </a:xfrm>
           <a:prstGeom prst="rect">
             <a:avLst/>
@@ -3482,20 +3353,8 @@
             <a:normAutofit/>
           </a:bodyPr>
           <a:p>
-            <a:pPr>
-              <a:lnSpc>
-                <a:spcPct val="90000"/>
-              </a:lnSpc>
-              <a:spcBef>
-                <a:spcPts val="1417"/>
-              </a:spcBef>
-              <a:buNone/>
-            </a:pPr>
-            <a:endParaRPr b="0" lang="en-US" sz="2000" spc="-1" strike="noStrike">
-              <a:solidFill>
-                <a:srgbClr val="000000"/>
-              </a:solidFill>
-              <a:latin typeface="Rockwell"/>
+            <a:endParaRPr b="0" lang="en-IE" sz="3200" spc="-1" strike="noStrike">
+              <a:latin typeface="Arial"/>
             </a:endParaRPr>
           </a:p>
         </p:txBody>
@@ -3507,7 +3366,7 @@
             <a:spLocks noGrp="1"/>
           </p:cNvSpPr>
           <p:nvPr>
-            <p:ph type="ftr" idx="5"/>
+            <p:ph type="ftr" idx="4"/>
           </p:nvPr>
         </p:nvSpPr>
         <p:spPr/>
@@ -3527,14 +3386,14 @@
             <a:spLocks noGrp="1"/>
           </p:cNvSpPr>
           <p:nvPr>
-            <p:ph type="sldNum" idx="6"/>
+            <p:ph type="sldNum" idx="5"/>
           </p:nvPr>
         </p:nvSpPr>
         <p:spPr/>
         <p:txBody>
           <a:bodyPr/>
           <a:p>
-            <a:fld id="{EC06BF9E-4D3A-4687-BD04-2D16A05CED15}" type="slidenum">
+            <a:fld id="{B509C9AE-135C-442D-961A-F51591E40C7F}" type="slidenum">
               <a:t>&lt;#&gt;</a:t>
             </a:fld>
           </a:p>
@@ -3547,7 +3406,7 @@
             <a:spLocks noGrp="1"/>
           </p:cNvSpPr>
           <p:nvPr>
-            <p:ph type="dt" idx="4"/>
+            <p:ph type="dt" idx="6"/>
           </p:nvPr>
         </p:nvSpPr>
         <p:spPr/>
@@ -3595,8 +3454,8 @@
         </p:nvSpPr>
         <p:spPr>
           <a:xfrm>
-            <a:off x="1069920" y="484560"/>
-            <a:ext cx="10058040" cy="1608840"/>
+            <a:off x="609480" y="273600"/>
+            <a:ext cx="10972440" cy="1144800"/>
           </a:xfrm>
           <a:prstGeom prst="rect">
             <a:avLst/>
@@ -3611,11 +3470,11 @@
             <a:noAutofit/>
           </a:bodyPr>
           <a:p>
-            <a:endParaRPr b="0" lang="en-US" sz="1800" spc="-1" strike="noStrike">
-              <a:solidFill>
-                <a:srgbClr val="000000"/>
-              </a:solidFill>
-              <a:latin typeface="Rockwell"/>
+            <a:pPr algn="ctr">
+              <a:buNone/>
+            </a:pPr>
+            <a:endParaRPr b="0" lang="en-IE" sz="4400" spc="-1" strike="noStrike">
+              <a:latin typeface="Arial"/>
             </a:endParaRPr>
           </a:p>
         </p:txBody>
@@ -3632,8 +3491,8 @@
         </p:nvSpPr>
         <p:spPr>
           <a:xfrm>
-            <a:off x="1069920" y="2121480"/>
-            <a:ext cx="10058040" cy="1931760"/>
+            <a:off x="609480" y="1604520"/>
+            <a:ext cx="10972440" cy="1896840"/>
           </a:xfrm>
           <a:prstGeom prst="rect">
             <a:avLst/>
@@ -3648,20 +3507,8 @@
             <a:normAutofit/>
           </a:bodyPr>
           <a:p>
-            <a:pPr>
-              <a:lnSpc>
-                <a:spcPct val="90000"/>
-              </a:lnSpc>
-              <a:spcBef>
-                <a:spcPts val="1417"/>
-              </a:spcBef>
-              <a:buNone/>
-            </a:pPr>
-            <a:endParaRPr b="0" lang="en-US" sz="2000" spc="-1" strike="noStrike">
-              <a:solidFill>
-                <a:srgbClr val="000000"/>
-              </a:solidFill>
-              <a:latin typeface="Rockwell"/>
+            <a:endParaRPr b="0" lang="en-IE" sz="3200" spc="-1" strike="noStrike">
+              <a:latin typeface="Arial"/>
             </a:endParaRPr>
           </a:p>
         </p:txBody>
@@ -3678,8 +3525,8 @@
         </p:nvSpPr>
         <p:spPr>
           <a:xfrm>
-            <a:off x="1069920" y="4237200"/>
-            <a:ext cx="10058040" cy="1931760"/>
+            <a:off x="609480" y="3682080"/>
+            <a:ext cx="10972440" cy="1896840"/>
           </a:xfrm>
           <a:prstGeom prst="rect">
             <a:avLst/>
@@ -3694,20 +3541,8 @@
             <a:normAutofit/>
           </a:bodyPr>
           <a:p>
-            <a:pPr>
-              <a:lnSpc>
-                <a:spcPct val="90000"/>
-              </a:lnSpc>
-              <a:spcBef>
-                <a:spcPts val="1417"/>
-              </a:spcBef>
-              <a:buNone/>
-            </a:pPr>
-            <a:endParaRPr b="0" lang="en-US" sz="2000" spc="-1" strike="noStrike">
-              <a:solidFill>
-                <a:srgbClr val="000000"/>
-              </a:solidFill>
-              <a:latin typeface="Rockwell"/>
+            <a:endParaRPr b="0" lang="en-IE" sz="3200" spc="-1" strike="noStrike">
+              <a:latin typeface="Arial"/>
             </a:endParaRPr>
           </a:p>
         </p:txBody>
@@ -3719,7 +3554,7 @@
             <a:spLocks noGrp="1"/>
           </p:cNvSpPr>
           <p:nvPr>
-            <p:ph type="ftr" idx="5"/>
+            <p:ph type="ftr" idx="4"/>
           </p:nvPr>
         </p:nvSpPr>
         <p:spPr/>
@@ -3739,14 +3574,14 @@
             <a:spLocks noGrp="1"/>
           </p:cNvSpPr>
           <p:nvPr>
-            <p:ph type="sldNum" idx="6"/>
+            <p:ph type="sldNum" idx="5"/>
           </p:nvPr>
         </p:nvSpPr>
         <p:spPr/>
         <p:txBody>
           <a:bodyPr/>
           <a:p>
-            <a:fld id="{4E4E8067-FB3A-4BA0-AC96-36E94F0A710A}" type="slidenum">
+            <a:fld id="{26CA1C95-6EA8-49DE-B25D-29500A302464}" type="slidenum">
               <a:t>&lt;#&gt;</a:t>
             </a:fld>
           </a:p>
@@ -3759,7 +3594,7 @@
             <a:spLocks noGrp="1"/>
           </p:cNvSpPr>
           <p:nvPr>
-            <p:ph type="dt" idx="4"/>
+            <p:ph type="dt" idx="6"/>
           </p:nvPr>
         </p:nvSpPr>
         <p:spPr/>
@@ -3807,8 +3642,8 @@
         </p:nvSpPr>
         <p:spPr>
           <a:xfrm>
-            <a:off x="1069920" y="484560"/>
-            <a:ext cx="10058040" cy="1608840"/>
+            <a:off x="609480" y="273600"/>
+            <a:ext cx="10972440" cy="1144800"/>
           </a:xfrm>
           <a:prstGeom prst="rect">
             <a:avLst/>
@@ -3823,11 +3658,11 @@
             <a:noAutofit/>
           </a:bodyPr>
           <a:p>
-            <a:endParaRPr b="0" lang="en-US" sz="1800" spc="-1" strike="noStrike">
-              <a:solidFill>
-                <a:srgbClr val="000000"/>
-              </a:solidFill>
-              <a:latin typeface="Rockwell"/>
+            <a:pPr algn="ctr">
+              <a:buNone/>
+            </a:pPr>
+            <a:endParaRPr b="0" lang="en-IE" sz="4400" spc="-1" strike="noStrike">
+              <a:latin typeface="Arial"/>
             </a:endParaRPr>
           </a:p>
         </p:txBody>
@@ -3844,8 +3679,8 @@
         </p:nvSpPr>
         <p:spPr>
           <a:xfrm>
-            <a:off x="1069920" y="2121480"/>
-            <a:ext cx="4908240" cy="1931760"/>
+            <a:off x="609480" y="1604520"/>
+            <a:ext cx="5354280" cy="1896840"/>
           </a:xfrm>
           <a:prstGeom prst="rect">
             <a:avLst/>
@@ -3860,20 +3695,8 @@
             <a:normAutofit/>
           </a:bodyPr>
           <a:p>
-            <a:pPr>
-              <a:lnSpc>
-                <a:spcPct val="90000"/>
-              </a:lnSpc>
-              <a:spcBef>
-                <a:spcPts val="1417"/>
-              </a:spcBef>
-              <a:buNone/>
-            </a:pPr>
-            <a:endParaRPr b="0" lang="en-US" sz="2000" spc="-1" strike="noStrike">
-              <a:solidFill>
-                <a:srgbClr val="000000"/>
-              </a:solidFill>
-              <a:latin typeface="Rockwell"/>
+            <a:endParaRPr b="0" lang="en-IE" sz="3200" spc="-1" strike="noStrike">
+              <a:latin typeface="Arial"/>
             </a:endParaRPr>
           </a:p>
         </p:txBody>
@@ -3890,8 +3713,8 @@
         </p:nvSpPr>
         <p:spPr>
           <a:xfrm>
-            <a:off x="6224040" y="2121480"/>
-            <a:ext cx="4908240" cy="1931760"/>
+            <a:off x="6231960" y="1604520"/>
+            <a:ext cx="5354280" cy="1896840"/>
           </a:xfrm>
           <a:prstGeom prst="rect">
             <a:avLst/>
@@ -3906,20 +3729,8 @@
             <a:normAutofit/>
           </a:bodyPr>
           <a:p>
-            <a:pPr>
-              <a:lnSpc>
-                <a:spcPct val="90000"/>
-              </a:lnSpc>
-              <a:spcBef>
-                <a:spcPts val="1417"/>
-              </a:spcBef>
-              <a:buNone/>
-            </a:pPr>
-            <a:endParaRPr b="0" lang="en-US" sz="2000" spc="-1" strike="noStrike">
-              <a:solidFill>
-                <a:srgbClr val="000000"/>
-              </a:solidFill>
-              <a:latin typeface="Rockwell"/>
+            <a:endParaRPr b="0" lang="en-IE" sz="3200" spc="-1" strike="noStrike">
+              <a:latin typeface="Arial"/>
             </a:endParaRPr>
           </a:p>
         </p:txBody>
@@ -3936,8 +3747,8 @@
         </p:nvSpPr>
         <p:spPr>
           <a:xfrm>
-            <a:off x="1069920" y="4237200"/>
-            <a:ext cx="4908240" cy="1931760"/>
+            <a:off x="609480" y="3682080"/>
+            <a:ext cx="5354280" cy="1896840"/>
           </a:xfrm>
           <a:prstGeom prst="rect">
             <a:avLst/>
@@ -3952,20 +3763,8 @@
             <a:normAutofit/>
           </a:bodyPr>
           <a:p>
-            <a:pPr>
-              <a:lnSpc>
-                <a:spcPct val="90000"/>
-              </a:lnSpc>
-              <a:spcBef>
-                <a:spcPts val="1417"/>
-              </a:spcBef>
-              <a:buNone/>
-            </a:pPr>
-            <a:endParaRPr b="0" lang="en-US" sz="2000" spc="-1" strike="noStrike">
-              <a:solidFill>
-                <a:srgbClr val="000000"/>
-              </a:solidFill>
-              <a:latin typeface="Rockwell"/>
+            <a:endParaRPr b="0" lang="en-IE" sz="3200" spc="-1" strike="noStrike">
+              <a:latin typeface="Arial"/>
             </a:endParaRPr>
           </a:p>
         </p:txBody>
@@ -3982,8 +3781,8 @@
         </p:nvSpPr>
         <p:spPr>
           <a:xfrm>
-            <a:off x="6224040" y="4237200"/>
-            <a:ext cx="4908240" cy="1931760"/>
+            <a:off x="6231960" y="3682080"/>
+            <a:ext cx="5354280" cy="1896840"/>
           </a:xfrm>
           <a:prstGeom prst="rect">
             <a:avLst/>
@@ -3998,20 +3797,8 @@
             <a:normAutofit/>
           </a:bodyPr>
           <a:p>
-            <a:pPr>
-              <a:lnSpc>
-                <a:spcPct val="90000"/>
-              </a:lnSpc>
-              <a:spcBef>
-                <a:spcPts val="1417"/>
-              </a:spcBef>
-              <a:buNone/>
-            </a:pPr>
-            <a:endParaRPr b="0" lang="en-US" sz="2000" spc="-1" strike="noStrike">
-              <a:solidFill>
-                <a:srgbClr val="000000"/>
-              </a:solidFill>
-              <a:latin typeface="Rockwell"/>
+            <a:endParaRPr b="0" lang="en-IE" sz="3200" spc="-1" strike="noStrike">
+              <a:latin typeface="Arial"/>
             </a:endParaRPr>
           </a:p>
         </p:txBody>
@@ -4023,7 +3810,7 @@
             <a:spLocks noGrp="1"/>
           </p:cNvSpPr>
           <p:nvPr>
-            <p:ph type="ftr" idx="5"/>
+            <p:ph type="ftr" idx="4"/>
           </p:nvPr>
         </p:nvSpPr>
         <p:spPr/>
@@ -4043,14 +3830,14 @@
             <a:spLocks noGrp="1"/>
           </p:cNvSpPr>
           <p:nvPr>
-            <p:ph type="sldNum" idx="6"/>
+            <p:ph type="sldNum" idx="5"/>
           </p:nvPr>
         </p:nvSpPr>
         <p:spPr/>
         <p:txBody>
           <a:bodyPr/>
           <a:p>
-            <a:fld id="{0B7B35FE-8877-4D1D-9B3D-12F0E22127A4}" type="slidenum">
+            <a:fld id="{F135D377-2F4B-46C8-937D-53D09B9D71AD}" type="slidenum">
               <a:t>&lt;#&gt;</a:t>
             </a:fld>
           </a:p>
@@ -4063,7 +3850,7 @@
             <a:spLocks noGrp="1"/>
           </p:cNvSpPr>
           <p:nvPr>
-            <p:ph type="dt" idx="4"/>
+            <p:ph type="dt" idx="6"/>
           </p:nvPr>
         </p:nvSpPr>
         <p:spPr/>
@@ -4111,8 +3898,8 @@
         </p:nvSpPr>
         <p:spPr>
           <a:xfrm>
-            <a:off x="1069920" y="484560"/>
-            <a:ext cx="10058040" cy="1608840"/>
+            <a:off x="609480" y="273600"/>
+            <a:ext cx="10972440" cy="1144800"/>
           </a:xfrm>
           <a:prstGeom prst="rect">
             <a:avLst/>
@@ -4127,11 +3914,11 @@
             <a:noAutofit/>
           </a:bodyPr>
           <a:p>
-            <a:endParaRPr b="0" lang="en-US" sz="1800" spc="-1" strike="noStrike">
-              <a:solidFill>
-                <a:srgbClr val="000000"/>
-              </a:solidFill>
-              <a:latin typeface="Rockwell"/>
+            <a:pPr algn="ctr">
+              <a:buNone/>
+            </a:pPr>
+            <a:endParaRPr b="0" lang="en-IE" sz="4400" spc="-1" strike="noStrike">
+              <a:latin typeface="Arial"/>
             </a:endParaRPr>
           </a:p>
         </p:txBody>
@@ -4148,8 +3935,8 @@
         </p:nvSpPr>
         <p:spPr>
           <a:xfrm>
-            <a:off x="1069920" y="2121480"/>
-            <a:ext cx="3238560" cy="1931760"/>
+            <a:off x="609480" y="1604520"/>
+            <a:ext cx="3533040" cy="1896840"/>
           </a:xfrm>
           <a:prstGeom prst="rect">
             <a:avLst/>
@@ -4164,20 +3951,8 @@
             <a:normAutofit/>
           </a:bodyPr>
           <a:p>
-            <a:pPr>
-              <a:lnSpc>
-                <a:spcPct val="90000"/>
-              </a:lnSpc>
-              <a:spcBef>
-                <a:spcPts val="1417"/>
-              </a:spcBef>
-              <a:buNone/>
-            </a:pPr>
-            <a:endParaRPr b="0" lang="en-US" sz="2000" spc="-1" strike="noStrike">
-              <a:solidFill>
-                <a:srgbClr val="000000"/>
-              </a:solidFill>
-              <a:latin typeface="Rockwell"/>
+            <a:endParaRPr b="0" lang="en-IE" sz="3200" spc="-1" strike="noStrike">
+              <a:latin typeface="Arial"/>
             </a:endParaRPr>
           </a:p>
         </p:txBody>
@@ -4194,8 +3969,8 @@
         </p:nvSpPr>
         <p:spPr>
           <a:xfrm>
-            <a:off x="4470840" y="2121480"/>
-            <a:ext cx="3238560" cy="1931760"/>
+            <a:off x="4319640" y="1604520"/>
+            <a:ext cx="3533040" cy="1896840"/>
           </a:xfrm>
           <a:prstGeom prst="rect">
             <a:avLst/>
@@ -4210,20 +3985,8 @@
             <a:normAutofit/>
           </a:bodyPr>
           <a:p>
-            <a:pPr>
-              <a:lnSpc>
-                <a:spcPct val="90000"/>
-              </a:lnSpc>
-              <a:spcBef>
-                <a:spcPts val="1417"/>
-              </a:spcBef>
-              <a:buNone/>
-            </a:pPr>
-            <a:endParaRPr b="0" lang="en-US" sz="2000" spc="-1" strike="noStrike">
-              <a:solidFill>
-                <a:srgbClr val="000000"/>
-              </a:solidFill>
-              <a:latin typeface="Rockwell"/>
+            <a:endParaRPr b="0" lang="en-IE" sz="3200" spc="-1" strike="noStrike">
+              <a:latin typeface="Arial"/>
             </a:endParaRPr>
           </a:p>
         </p:txBody>
@@ -4240,8 +4003,8 @@
         </p:nvSpPr>
         <p:spPr>
           <a:xfrm>
-            <a:off x="7871760" y="2121480"/>
-            <a:ext cx="3238560" cy="1931760"/>
+            <a:off x="8029800" y="1604520"/>
+            <a:ext cx="3533040" cy="1896840"/>
           </a:xfrm>
           <a:prstGeom prst="rect">
             <a:avLst/>
@@ -4256,20 +4019,8 @@
             <a:normAutofit/>
           </a:bodyPr>
           <a:p>
-            <a:pPr>
-              <a:lnSpc>
-                <a:spcPct val="90000"/>
-              </a:lnSpc>
-              <a:spcBef>
-                <a:spcPts val="1417"/>
-              </a:spcBef>
-              <a:buNone/>
-            </a:pPr>
-            <a:endParaRPr b="0" lang="en-US" sz="2000" spc="-1" strike="noStrike">
-              <a:solidFill>
-                <a:srgbClr val="000000"/>
-              </a:solidFill>
-              <a:latin typeface="Rockwell"/>
+            <a:endParaRPr b="0" lang="en-IE" sz="3200" spc="-1" strike="noStrike">
+              <a:latin typeface="Arial"/>
             </a:endParaRPr>
           </a:p>
         </p:txBody>
@@ -4286,8 +4037,8 @@
         </p:nvSpPr>
         <p:spPr>
           <a:xfrm>
-            <a:off x="1069920" y="4237200"/>
-            <a:ext cx="3238560" cy="1931760"/>
+            <a:off x="609480" y="3682080"/>
+            <a:ext cx="3533040" cy="1896840"/>
           </a:xfrm>
           <a:prstGeom prst="rect">
             <a:avLst/>
@@ -4302,20 +4053,8 @@
             <a:normAutofit/>
           </a:bodyPr>
           <a:p>
-            <a:pPr>
-              <a:lnSpc>
-                <a:spcPct val="90000"/>
-              </a:lnSpc>
-              <a:spcBef>
-                <a:spcPts val="1417"/>
-              </a:spcBef>
-              <a:buNone/>
-            </a:pPr>
-            <a:endParaRPr b="0" lang="en-US" sz="2000" spc="-1" strike="noStrike">
-              <a:solidFill>
-                <a:srgbClr val="000000"/>
-              </a:solidFill>
-              <a:latin typeface="Rockwell"/>
+            <a:endParaRPr b="0" lang="en-IE" sz="3200" spc="-1" strike="noStrike">
+              <a:latin typeface="Arial"/>
             </a:endParaRPr>
           </a:p>
         </p:txBody>
@@ -4332,8 +4071,8 @@
         </p:nvSpPr>
         <p:spPr>
           <a:xfrm>
-            <a:off x="4470840" y="4237200"/>
-            <a:ext cx="3238560" cy="1931760"/>
+            <a:off x="4319640" y="3682080"/>
+            <a:ext cx="3533040" cy="1896840"/>
           </a:xfrm>
           <a:prstGeom prst="rect">
             <a:avLst/>
@@ -4348,20 +4087,8 @@
             <a:normAutofit/>
           </a:bodyPr>
           <a:p>
-            <a:pPr>
-              <a:lnSpc>
-                <a:spcPct val="90000"/>
-              </a:lnSpc>
-              <a:spcBef>
-                <a:spcPts val="1417"/>
-              </a:spcBef>
-              <a:buNone/>
-            </a:pPr>
-            <a:endParaRPr b="0" lang="en-US" sz="2000" spc="-1" strike="noStrike">
-              <a:solidFill>
-                <a:srgbClr val="000000"/>
-              </a:solidFill>
-              <a:latin typeface="Rockwell"/>
+            <a:endParaRPr b="0" lang="en-IE" sz="3200" spc="-1" strike="noStrike">
+              <a:latin typeface="Arial"/>
             </a:endParaRPr>
           </a:p>
         </p:txBody>
@@ -4378,8 +4105,8 @@
         </p:nvSpPr>
         <p:spPr>
           <a:xfrm>
-            <a:off x="7871760" y="4237200"/>
-            <a:ext cx="3238560" cy="1931760"/>
+            <a:off x="8029800" y="3682080"/>
+            <a:ext cx="3533040" cy="1896840"/>
           </a:xfrm>
           <a:prstGeom prst="rect">
             <a:avLst/>
@@ -4394,20 +4121,8 @@
             <a:normAutofit/>
           </a:bodyPr>
           <a:p>
-            <a:pPr>
-              <a:lnSpc>
-                <a:spcPct val="90000"/>
-              </a:lnSpc>
-              <a:spcBef>
-                <a:spcPts val="1417"/>
-              </a:spcBef>
-              <a:buNone/>
-            </a:pPr>
-            <a:endParaRPr b="0" lang="en-US" sz="2000" spc="-1" strike="noStrike">
-              <a:solidFill>
-                <a:srgbClr val="000000"/>
-              </a:solidFill>
-              <a:latin typeface="Rockwell"/>
+            <a:endParaRPr b="0" lang="en-IE" sz="3200" spc="-1" strike="noStrike">
+              <a:latin typeface="Arial"/>
             </a:endParaRPr>
           </a:p>
         </p:txBody>
@@ -4419,7 +4134,7 @@
             <a:spLocks noGrp="1"/>
           </p:cNvSpPr>
           <p:nvPr>
-            <p:ph type="ftr" idx="5"/>
+            <p:ph type="ftr" idx="4"/>
           </p:nvPr>
         </p:nvSpPr>
         <p:spPr/>
@@ -4439,14 +4154,14 @@
             <a:spLocks noGrp="1"/>
           </p:cNvSpPr>
           <p:nvPr>
-            <p:ph type="sldNum" idx="6"/>
+            <p:ph type="sldNum" idx="5"/>
           </p:nvPr>
         </p:nvSpPr>
         <p:spPr/>
         <p:txBody>
           <a:bodyPr/>
           <a:p>
-            <a:fld id="{D438DC3C-E89D-44B3-A788-0C051DDBB7CA}" type="slidenum">
+            <a:fld id="{B4D79BDC-8BA7-449D-A0A5-CD2F134658F4}" type="slidenum">
               <a:t>&lt;#&gt;</a:t>
             </a:fld>
           </a:p>
@@ -4459,7 +4174,7 @@
             <a:spLocks noGrp="1"/>
           </p:cNvSpPr>
           <p:nvPr>
-            <p:ph type="dt" idx="4"/>
+            <p:ph type="dt" idx="6"/>
           </p:nvPr>
         </p:nvSpPr>
         <p:spPr/>
@@ -4507,8 +4222,8 @@
         </p:nvSpPr>
         <p:spPr>
           <a:xfrm>
-            <a:off x="1069920" y="484560"/>
-            <a:ext cx="10058040" cy="1608840"/>
+            <a:off x="609480" y="273600"/>
+            <a:ext cx="10972440" cy="1144800"/>
           </a:xfrm>
           <a:prstGeom prst="rect">
             <a:avLst/>
@@ -4523,11 +4238,11 @@
             <a:noAutofit/>
           </a:bodyPr>
           <a:p>
-            <a:endParaRPr b="0" lang="en-US" sz="1800" spc="-1" strike="noStrike">
-              <a:solidFill>
-                <a:srgbClr val="000000"/>
-              </a:solidFill>
-              <a:latin typeface="Rockwell"/>
+            <a:pPr algn="ctr">
+              <a:buNone/>
+            </a:pPr>
+            <a:endParaRPr b="0" lang="en-IE" sz="4400" spc="-1" strike="noStrike">
+              <a:latin typeface="Arial"/>
             </a:endParaRPr>
           </a:p>
         </p:txBody>
@@ -4544,8 +4259,8 @@
         </p:nvSpPr>
         <p:spPr>
           <a:xfrm>
-            <a:off x="1069920" y="2121480"/>
-            <a:ext cx="10058040" cy="4050360"/>
+            <a:off x="609480" y="1604520"/>
+            <a:ext cx="10972440" cy="3977280"/>
           </a:xfrm>
           <a:prstGeom prst="rect">
             <a:avLst/>
@@ -4560,20 +4275,8 @@
             <a:normAutofit/>
           </a:bodyPr>
           <a:p>
-            <a:pPr>
-              <a:lnSpc>
-                <a:spcPct val="90000"/>
-              </a:lnSpc>
-              <a:spcBef>
-                <a:spcPts val="1417"/>
-              </a:spcBef>
-              <a:buNone/>
-            </a:pPr>
-            <a:endParaRPr b="0" lang="en-US" sz="2000" spc="-1" strike="noStrike">
-              <a:solidFill>
-                <a:srgbClr val="000000"/>
-              </a:solidFill>
-              <a:latin typeface="Rockwell"/>
+            <a:endParaRPr b="0" lang="en-IE" sz="3200" spc="-1" strike="noStrike">
+              <a:latin typeface="Arial"/>
             </a:endParaRPr>
           </a:p>
         </p:txBody>
@@ -4585,7 +4288,7 @@
             <a:spLocks noGrp="1"/>
           </p:cNvSpPr>
           <p:nvPr>
-            <p:ph type="ftr" idx="2"/>
+            <p:ph type="ftr" idx="1"/>
           </p:nvPr>
         </p:nvSpPr>
         <p:spPr/>
@@ -4605,14 +4308,14 @@
             <a:spLocks noGrp="1"/>
           </p:cNvSpPr>
           <p:nvPr>
-            <p:ph type="sldNum" idx="3"/>
+            <p:ph type="sldNum" idx="2"/>
           </p:nvPr>
         </p:nvSpPr>
         <p:spPr/>
         <p:txBody>
           <a:bodyPr/>
           <a:p>
-            <a:fld id="{94EBDCFD-B71D-455D-AC95-A54B16F0EDD1}" type="slidenum">
+            <a:fld id="{662163F4-1E8E-448A-A1E4-62F0F3F03F20}" type="slidenum">
               <a:t>&lt;#&gt;</a:t>
             </a:fld>
           </a:p>
@@ -4625,7 +4328,7 @@
             <a:spLocks noGrp="1"/>
           </p:cNvSpPr>
           <p:nvPr>
-            <p:ph type="dt" idx="1"/>
+            <p:ph type="dt" idx="3"/>
           </p:nvPr>
         </p:nvSpPr>
         <p:spPr/>
@@ -4673,8 +4376,8 @@
         </p:nvSpPr>
         <p:spPr>
           <a:xfrm>
-            <a:off x="1069920" y="484560"/>
-            <a:ext cx="10058040" cy="1608840"/>
+            <a:off x="609480" y="273600"/>
+            <a:ext cx="10972440" cy="1144800"/>
           </a:xfrm>
           <a:prstGeom prst="rect">
             <a:avLst/>
@@ -4689,11 +4392,11 @@
             <a:noAutofit/>
           </a:bodyPr>
           <a:p>
-            <a:endParaRPr b="0" lang="en-US" sz="1800" spc="-1" strike="noStrike">
-              <a:solidFill>
-                <a:srgbClr val="000000"/>
-              </a:solidFill>
-              <a:latin typeface="Rockwell"/>
+            <a:pPr algn="ctr">
+              <a:buNone/>
+            </a:pPr>
+            <a:endParaRPr b="0" lang="en-IE" sz="4400" spc="-1" strike="noStrike">
+              <a:latin typeface="Arial"/>
             </a:endParaRPr>
           </a:p>
         </p:txBody>
@@ -4710,8 +4413,8 @@
         </p:nvSpPr>
         <p:spPr>
           <a:xfrm>
-            <a:off x="1069920" y="2121480"/>
-            <a:ext cx="4908240" cy="4050360"/>
+            <a:off x="609480" y="1604520"/>
+            <a:ext cx="5354280" cy="3977280"/>
           </a:xfrm>
           <a:prstGeom prst="rect">
             <a:avLst/>
@@ -4726,20 +4429,8 @@
             <a:normAutofit/>
           </a:bodyPr>
           <a:p>
-            <a:pPr>
-              <a:lnSpc>
-                <a:spcPct val="90000"/>
-              </a:lnSpc>
-              <a:spcBef>
-                <a:spcPts val="1417"/>
-              </a:spcBef>
-              <a:buNone/>
-            </a:pPr>
-            <a:endParaRPr b="0" lang="en-US" sz="2000" spc="-1" strike="noStrike">
-              <a:solidFill>
-                <a:srgbClr val="000000"/>
-              </a:solidFill>
-              <a:latin typeface="Rockwell"/>
+            <a:endParaRPr b="0" lang="en-IE" sz="3200" spc="-1" strike="noStrike">
+              <a:latin typeface="Arial"/>
             </a:endParaRPr>
           </a:p>
         </p:txBody>
@@ -4756,8 +4447,8 @@
         </p:nvSpPr>
         <p:spPr>
           <a:xfrm>
-            <a:off x="6224040" y="2121480"/>
-            <a:ext cx="4908240" cy="4050360"/>
+            <a:off x="6231960" y="1604520"/>
+            <a:ext cx="5354280" cy="3977280"/>
           </a:xfrm>
           <a:prstGeom prst="rect">
             <a:avLst/>
@@ -4772,20 +4463,8 @@
             <a:normAutofit/>
           </a:bodyPr>
           <a:p>
-            <a:pPr>
-              <a:lnSpc>
-                <a:spcPct val="90000"/>
-              </a:lnSpc>
-              <a:spcBef>
-                <a:spcPts val="1417"/>
-              </a:spcBef>
-              <a:buNone/>
-            </a:pPr>
-            <a:endParaRPr b="0" lang="en-US" sz="2000" spc="-1" strike="noStrike">
-              <a:solidFill>
-                <a:srgbClr val="000000"/>
-              </a:solidFill>
-              <a:latin typeface="Rockwell"/>
+            <a:endParaRPr b="0" lang="en-IE" sz="3200" spc="-1" strike="noStrike">
+              <a:latin typeface="Arial"/>
             </a:endParaRPr>
           </a:p>
         </p:txBody>
@@ -4797,7 +4476,7 @@
             <a:spLocks noGrp="1"/>
           </p:cNvSpPr>
           <p:nvPr>
-            <p:ph type="ftr" idx="2"/>
+            <p:ph type="ftr" idx="1"/>
           </p:nvPr>
         </p:nvSpPr>
         <p:spPr/>
@@ -4817,14 +4496,14 @@
             <a:spLocks noGrp="1"/>
           </p:cNvSpPr>
           <p:nvPr>
-            <p:ph type="sldNum" idx="3"/>
+            <p:ph type="sldNum" idx="2"/>
           </p:nvPr>
         </p:nvSpPr>
         <p:spPr/>
         <p:txBody>
           <a:bodyPr/>
           <a:p>
-            <a:fld id="{7DF2201F-AB7C-4F46-BF0A-BCC87D5A97CC}" type="slidenum">
+            <a:fld id="{2C1069B3-838D-4EDB-BDFD-B3C385C332FA}" type="slidenum">
               <a:t>&lt;#&gt;</a:t>
             </a:fld>
           </a:p>
@@ -4837,7 +4516,7 @@
             <a:spLocks noGrp="1"/>
           </p:cNvSpPr>
           <p:nvPr>
-            <p:ph type="dt" idx="1"/>
+            <p:ph type="dt" idx="3"/>
           </p:nvPr>
         </p:nvSpPr>
         <p:spPr/>
@@ -4885,8 +4564,8 @@
         </p:nvSpPr>
         <p:spPr>
           <a:xfrm>
-            <a:off x="1069920" y="484560"/>
-            <a:ext cx="10058040" cy="1608840"/>
+            <a:off x="609480" y="273600"/>
+            <a:ext cx="10972440" cy="1144800"/>
           </a:xfrm>
           <a:prstGeom prst="rect">
             <a:avLst/>
@@ -4901,11 +4580,11 @@
             <a:noAutofit/>
           </a:bodyPr>
           <a:p>
-            <a:endParaRPr b="0" lang="en-US" sz="1800" spc="-1" strike="noStrike">
-              <a:solidFill>
-                <a:srgbClr val="000000"/>
-              </a:solidFill>
-              <a:latin typeface="Rockwell"/>
+            <a:pPr algn="ctr">
+              <a:buNone/>
+            </a:pPr>
+            <a:endParaRPr b="0" lang="en-IE" sz="4400" spc="-1" strike="noStrike">
+              <a:latin typeface="Arial"/>
             </a:endParaRPr>
           </a:p>
         </p:txBody>
@@ -4917,7 +4596,7 @@
             <a:spLocks noGrp="1"/>
           </p:cNvSpPr>
           <p:nvPr>
-            <p:ph type="ftr" idx="2"/>
+            <p:ph type="ftr" idx="1"/>
           </p:nvPr>
         </p:nvSpPr>
         <p:spPr/>
@@ -4937,14 +4616,14 @@
             <a:spLocks noGrp="1"/>
           </p:cNvSpPr>
           <p:nvPr>
-            <p:ph type="sldNum" idx="3"/>
+            <p:ph type="sldNum" idx="2"/>
           </p:nvPr>
         </p:nvSpPr>
         <p:spPr/>
         <p:txBody>
           <a:bodyPr/>
           <a:p>
-            <a:fld id="{C07CA840-4FCB-479B-A9A0-C3F0C194C8B3}" type="slidenum">
+            <a:fld id="{4195065D-685A-4C9A-961E-E9DBBC3EE4EA}" type="slidenum">
               <a:t>&lt;#&gt;</a:t>
             </a:fld>
           </a:p>
@@ -4957,7 +4636,7 @@
             <a:spLocks noGrp="1"/>
           </p:cNvSpPr>
           <p:nvPr>
-            <p:ph type="dt" idx="1"/>
+            <p:ph type="dt" idx="3"/>
           </p:nvPr>
         </p:nvSpPr>
         <p:spPr/>
@@ -5005,8 +4684,8 @@
         </p:nvSpPr>
         <p:spPr>
           <a:xfrm>
-            <a:off x="1069920" y="484560"/>
-            <a:ext cx="10058040" cy="7458840"/>
+            <a:off x="609480" y="273600"/>
+            <a:ext cx="10972440" cy="5307840"/>
           </a:xfrm>
           <a:prstGeom prst="rect">
             <a:avLst/>
@@ -5037,7 +4716,7 @@
             <a:spLocks noGrp="1"/>
           </p:cNvSpPr>
           <p:nvPr>
-            <p:ph type="ftr" idx="2"/>
+            <p:ph type="ftr" idx="1"/>
           </p:nvPr>
         </p:nvSpPr>
         <p:spPr/>
@@ -5057,14 +4736,14 @@
             <a:spLocks noGrp="1"/>
           </p:cNvSpPr>
           <p:nvPr>
-            <p:ph type="sldNum" idx="3"/>
+            <p:ph type="sldNum" idx="2"/>
           </p:nvPr>
         </p:nvSpPr>
         <p:spPr/>
         <p:txBody>
           <a:bodyPr/>
           <a:p>
-            <a:fld id="{6CEC864B-FBD5-4A74-A814-2600191D7907}" type="slidenum">
+            <a:fld id="{E3BD1E43-9382-4A38-99BC-5779F8B2E86A}" type="slidenum">
               <a:t>&lt;#&gt;</a:t>
             </a:fld>
           </a:p>
@@ -5077,7 +4756,7 @@
             <a:spLocks noGrp="1"/>
           </p:cNvSpPr>
           <p:nvPr>
-            <p:ph type="dt" idx="1"/>
+            <p:ph type="dt" idx="3"/>
           </p:nvPr>
         </p:nvSpPr>
         <p:spPr/>
@@ -5125,8 +4804,8 @@
         </p:nvSpPr>
         <p:spPr>
           <a:xfrm>
-            <a:off x="1069920" y="484560"/>
-            <a:ext cx="10058040" cy="1608840"/>
+            <a:off x="609480" y="273600"/>
+            <a:ext cx="10972440" cy="1144800"/>
           </a:xfrm>
           <a:prstGeom prst="rect">
             <a:avLst/>
@@ -5141,11 +4820,11 @@
             <a:noAutofit/>
           </a:bodyPr>
           <a:p>
-            <a:endParaRPr b="0" lang="en-US" sz="1800" spc="-1" strike="noStrike">
-              <a:solidFill>
-                <a:srgbClr val="000000"/>
-              </a:solidFill>
-              <a:latin typeface="Rockwell"/>
+            <a:pPr algn="ctr">
+              <a:buNone/>
+            </a:pPr>
+            <a:endParaRPr b="0" lang="en-IE" sz="4400" spc="-1" strike="noStrike">
+              <a:latin typeface="Arial"/>
             </a:endParaRPr>
           </a:p>
         </p:txBody>
@@ -5162,8 +4841,8 @@
         </p:nvSpPr>
         <p:spPr>
           <a:xfrm>
-            <a:off x="1069920" y="2121480"/>
-            <a:ext cx="4908240" cy="1931760"/>
+            <a:off x="609480" y="1604520"/>
+            <a:ext cx="5354280" cy="1896840"/>
           </a:xfrm>
           <a:prstGeom prst="rect">
             <a:avLst/>
@@ -5178,20 +4857,8 @@
             <a:normAutofit/>
           </a:bodyPr>
           <a:p>
-            <a:pPr>
-              <a:lnSpc>
-                <a:spcPct val="90000"/>
-              </a:lnSpc>
-              <a:spcBef>
-                <a:spcPts val="1417"/>
-              </a:spcBef>
-              <a:buNone/>
-            </a:pPr>
-            <a:endParaRPr b="0" lang="en-US" sz="2000" spc="-1" strike="noStrike">
-              <a:solidFill>
-                <a:srgbClr val="000000"/>
-              </a:solidFill>
-              <a:latin typeface="Rockwell"/>
+            <a:endParaRPr b="0" lang="en-IE" sz="3200" spc="-1" strike="noStrike">
+              <a:latin typeface="Arial"/>
             </a:endParaRPr>
           </a:p>
         </p:txBody>
@@ -5208,8 +4875,8 @@
         </p:nvSpPr>
         <p:spPr>
           <a:xfrm>
-            <a:off x="6224040" y="2121480"/>
-            <a:ext cx="4908240" cy="4050360"/>
+            <a:off x="6231960" y="1604520"/>
+            <a:ext cx="5354280" cy="3977280"/>
           </a:xfrm>
           <a:prstGeom prst="rect">
             <a:avLst/>
@@ -5224,20 +4891,8 @@
             <a:normAutofit/>
           </a:bodyPr>
           <a:p>
-            <a:pPr>
-              <a:lnSpc>
-                <a:spcPct val="90000"/>
-              </a:lnSpc>
-              <a:spcBef>
-                <a:spcPts val="1417"/>
-              </a:spcBef>
-              <a:buNone/>
-            </a:pPr>
-            <a:endParaRPr b="0" lang="en-US" sz="2000" spc="-1" strike="noStrike">
-              <a:solidFill>
-                <a:srgbClr val="000000"/>
-              </a:solidFill>
-              <a:latin typeface="Rockwell"/>
+            <a:endParaRPr b="0" lang="en-IE" sz="3200" spc="-1" strike="noStrike">
+              <a:latin typeface="Arial"/>
             </a:endParaRPr>
           </a:p>
         </p:txBody>
@@ -5254,8 +4909,8 @@
         </p:nvSpPr>
         <p:spPr>
           <a:xfrm>
-            <a:off x="1069920" y="4237200"/>
-            <a:ext cx="4908240" cy="1931760"/>
+            <a:off x="609480" y="3682080"/>
+            <a:ext cx="5354280" cy="1896840"/>
           </a:xfrm>
           <a:prstGeom prst="rect">
             <a:avLst/>
@@ -5270,20 +4925,8 @@
             <a:normAutofit/>
           </a:bodyPr>
           <a:p>
-            <a:pPr>
-              <a:lnSpc>
-                <a:spcPct val="90000"/>
-              </a:lnSpc>
-              <a:spcBef>
-                <a:spcPts val="1417"/>
-              </a:spcBef>
-              <a:buNone/>
-            </a:pPr>
-            <a:endParaRPr b="0" lang="en-US" sz="2000" spc="-1" strike="noStrike">
-              <a:solidFill>
-                <a:srgbClr val="000000"/>
-              </a:solidFill>
-              <a:latin typeface="Rockwell"/>
+            <a:endParaRPr b="0" lang="en-IE" sz="3200" spc="-1" strike="noStrike">
+              <a:latin typeface="Arial"/>
             </a:endParaRPr>
           </a:p>
         </p:txBody>
@@ -5295,7 +4938,7 @@
             <a:spLocks noGrp="1"/>
           </p:cNvSpPr>
           <p:nvPr>
-            <p:ph type="ftr" idx="2"/>
+            <p:ph type="ftr" idx="1"/>
           </p:nvPr>
         </p:nvSpPr>
         <p:spPr/>
@@ -5315,14 +4958,14 @@
             <a:spLocks noGrp="1"/>
           </p:cNvSpPr>
           <p:nvPr>
-            <p:ph type="sldNum" idx="3"/>
+            <p:ph type="sldNum" idx="2"/>
           </p:nvPr>
         </p:nvSpPr>
         <p:spPr/>
         <p:txBody>
           <a:bodyPr/>
           <a:p>
-            <a:fld id="{D137C1B5-71F3-4068-BC21-FCE95DBD9D8B}" type="slidenum">
+            <a:fld id="{F4B989C2-6202-470A-9474-1A08ABE2740F}" type="slidenum">
               <a:t>&lt;#&gt;</a:t>
             </a:fld>
           </a:p>
@@ -5335,7 +4978,7 @@
             <a:spLocks noGrp="1"/>
           </p:cNvSpPr>
           <p:nvPr>
-            <p:ph type="dt" idx="1"/>
+            <p:ph type="dt" idx="3"/>
           </p:nvPr>
         </p:nvSpPr>
         <p:spPr/>
@@ -5383,8 +5026,8 @@
         </p:nvSpPr>
         <p:spPr>
           <a:xfrm>
-            <a:off x="1069920" y="484560"/>
-            <a:ext cx="10058040" cy="1608840"/>
+            <a:off x="609480" y="273600"/>
+            <a:ext cx="10972440" cy="1144800"/>
           </a:xfrm>
           <a:prstGeom prst="rect">
             <a:avLst/>
@@ -5399,11 +5042,11 @@
             <a:noAutofit/>
           </a:bodyPr>
           <a:p>
-            <a:endParaRPr b="0" lang="en-US" sz="1800" spc="-1" strike="noStrike">
-              <a:solidFill>
-                <a:srgbClr val="000000"/>
-              </a:solidFill>
-              <a:latin typeface="Rockwell"/>
+            <a:pPr algn="ctr">
+              <a:buNone/>
+            </a:pPr>
+            <a:endParaRPr b="0" lang="en-IE" sz="4400" spc="-1" strike="noStrike">
+              <a:latin typeface="Arial"/>
             </a:endParaRPr>
           </a:p>
         </p:txBody>
@@ -5420,8 +5063,8 @@
         </p:nvSpPr>
         <p:spPr>
           <a:xfrm>
-            <a:off x="1069920" y="2121480"/>
-            <a:ext cx="4908240" cy="4050360"/>
+            <a:off x="609480" y="1604520"/>
+            <a:ext cx="5354280" cy="3977280"/>
           </a:xfrm>
           <a:prstGeom prst="rect">
             <a:avLst/>
@@ -5436,20 +5079,8 @@
             <a:normAutofit/>
           </a:bodyPr>
           <a:p>
-            <a:pPr>
-              <a:lnSpc>
-                <a:spcPct val="90000"/>
-              </a:lnSpc>
-              <a:spcBef>
-                <a:spcPts val="1417"/>
-              </a:spcBef>
-              <a:buNone/>
-            </a:pPr>
-            <a:endParaRPr b="0" lang="en-US" sz="2000" spc="-1" strike="noStrike">
-              <a:solidFill>
-                <a:srgbClr val="000000"/>
-              </a:solidFill>
-              <a:latin typeface="Rockwell"/>
+            <a:endParaRPr b="0" lang="en-IE" sz="3200" spc="-1" strike="noStrike">
+              <a:latin typeface="Arial"/>
             </a:endParaRPr>
           </a:p>
         </p:txBody>
@@ -5466,8 +5097,8 @@
         </p:nvSpPr>
         <p:spPr>
           <a:xfrm>
-            <a:off x="6224040" y="2121480"/>
-            <a:ext cx="4908240" cy="1931760"/>
+            <a:off x="6231960" y="1604520"/>
+            <a:ext cx="5354280" cy="1896840"/>
           </a:xfrm>
           <a:prstGeom prst="rect">
             <a:avLst/>
@@ -5482,20 +5113,8 @@
             <a:normAutofit/>
           </a:bodyPr>
           <a:p>
-            <a:pPr>
-              <a:lnSpc>
-                <a:spcPct val="90000"/>
-              </a:lnSpc>
-              <a:spcBef>
-                <a:spcPts val="1417"/>
-              </a:spcBef>
-              <a:buNone/>
-            </a:pPr>
-            <a:endParaRPr b="0" lang="en-US" sz="2000" spc="-1" strike="noStrike">
-              <a:solidFill>
-                <a:srgbClr val="000000"/>
-              </a:solidFill>
-              <a:latin typeface="Rockwell"/>
+            <a:endParaRPr b="0" lang="en-IE" sz="3200" spc="-1" strike="noStrike">
+              <a:latin typeface="Arial"/>
             </a:endParaRPr>
           </a:p>
         </p:txBody>
@@ -5512,8 +5131,8 @@
         </p:nvSpPr>
         <p:spPr>
           <a:xfrm>
-            <a:off x="6224040" y="4237200"/>
-            <a:ext cx="4908240" cy="1931760"/>
+            <a:off x="6231960" y="3682080"/>
+            <a:ext cx="5354280" cy="1896840"/>
           </a:xfrm>
           <a:prstGeom prst="rect">
             <a:avLst/>
@@ -5528,20 +5147,8 @@
             <a:normAutofit/>
           </a:bodyPr>
           <a:p>
-            <a:pPr>
-              <a:lnSpc>
-                <a:spcPct val="90000"/>
-              </a:lnSpc>
-              <a:spcBef>
-                <a:spcPts val="1417"/>
-              </a:spcBef>
-              <a:buNone/>
-            </a:pPr>
-            <a:endParaRPr b="0" lang="en-US" sz="2000" spc="-1" strike="noStrike">
-              <a:solidFill>
-                <a:srgbClr val="000000"/>
-              </a:solidFill>
-              <a:latin typeface="Rockwell"/>
+            <a:endParaRPr b="0" lang="en-IE" sz="3200" spc="-1" strike="noStrike">
+              <a:latin typeface="Arial"/>
             </a:endParaRPr>
           </a:p>
         </p:txBody>
@@ -5553,7 +5160,7 @@
             <a:spLocks noGrp="1"/>
           </p:cNvSpPr>
           <p:nvPr>
-            <p:ph type="ftr" idx="2"/>
+            <p:ph type="ftr" idx="1"/>
           </p:nvPr>
         </p:nvSpPr>
         <p:spPr/>
@@ -5573,14 +5180,14 @@
             <a:spLocks noGrp="1"/>
           </p:cNvSpPr>
           <p:nvPr>
-            <p:ph type="sldNum" idx="3"/>
+            <p:ph type="sldNum" idx="2"/>
           </p:nvPr>
         </p:nvSpPr>
         <p:spPr/>
         <p:txBody>
           <a:bodyPr/>
           <a:p>
-            <a:fld id="{27754F65-E459-4C29-804F-1580F8E0CF40}" type="slidenum">
+            <a:fld id="{A9B73E53-C2AC-438B-80F5-557A20B5C643}" type="slidenum">
               <a:t>&lt;#&gt;</a:t>
             </a:fld>
           </a:p>
@@ -5593,7 +5200,7 @@
             <a:spLocks noGrp="1"/>
           </p:cNvSpPr>
           <p:nvPr>
-            <p:ph type="dt" idx="1"/>
+            <p:ph type="dt" idx="3"/>
           </p:nvPr>
         </p:nvSpPr>
         <p:spPr/>
@@ -5641,8 +5248,8 @@
         </p:nvSpPr>
         <p:spPr>
           <a:xfrm>
-            <a:off x="1069920" y="484560"/>
-            <a:ext cx="10058040" cy="1608840"/>
+            <a:off x="609480" y="273600"/>
+            <a:ext cx="10972440" cy="1144800"/>
           </a:xfrm>
           <a:prstGeom prst="rect">
             <a:avLst/>
@@ -5657,11 +5264,11 @@
             <a:noAutofit/>
           </a:bodyPr>
           <a:p>
-            <a:endParaRPr b="0" lang="en-US" sz="1800" spc="-1" strike="noStrike">
-              <a:solidFill>
-                <a:srgbClr val="000000"/>
-              </a:solidFill>
-              <a:latin typeface="Rockwell"/>
+            <a:pPr algn="ctr">
+              <a:buNone/>
+            </a:pPr>
+            <a:endParaRPr b="0" lang="en-IE" sz="4400" spc="-1" strike="noStrike">
+              <a:latin typeface="Arial"/>
             </a:endParaRPr>
           </a:p>
         </p:txBody>
@@ -5678,8 +5285,8 @@
         </p:nvSpPr>
         <p:spPr>
           <a:xfrm>
-            <a:off x="1069920" y="2121480"/>
-            <a:ext cx="4908240" cy="1931760"/>
+            <a:off x="609480" y="1604520"/>
+            <a:ext cx="5354280" cy="1896840"/>
           </a:xfrm>
           <a:prstGeom prst="rect">
             <a:avLst/>
@@ -5694,20 +5301,8 @@
             <a:normAutofit/>
           </a:bodyPr>
           <a:p>
-            <a:pPr>
-              <a:lnSpc>
-                <a:spcPct val="90000"/>
-              </a:lnSpc>
-              <a:spcBef>
-                <a:spcPts val="1417"/>
-              </a:spcBef>
-              <a:buNone/>
-            </a:pPr>
-            <a:endParaRPr b="0" lang="en-US" sz="2000" spc="-1" strike="noStrike">
-              <a:solidFill>
-                <a:srgbClr val="000000"/>
-              </a:solidFill>
-              <a:latin typeface="Rockwell"/>
+            <a:endParaRPr b="0" lang="en-IE" sz="3200" spc="-1" strike="noStrike">
+              <a:latin typeface="Arial"/>
             </a:endParaRPr>
           </a:p>
         </p:txBody>
@@ -5724,8 +5319,8 @@
         </p:nvSpPr>
         <p:spPr>
           <a:xfrm>
-            <a:off x="6224040" y="2121480"/>
-            <a:ext cx="4908240" cy="1931760"/>
+            <a:off x="6231960" y="1604520"/>
+            <a:ext cx="5354280" cy="1896840"/>
           </a:xfrm>
           <a:prstGeom prst="rect">
             <a:avLst/>
@@ -5740,20 +5335,8 @@
             <a:normAutofit/>
           </a:bodyPr>
           <a:p>
-            <a:pPr>
-              <a:lnSpc>
-                <a:spcPct val="90000"/>
-              </a:lnSpc>
-              <a:spcBef>
-                <a:spcPts val="1417"/>
-              </a:spcBef>
-              <a:buNone/>
-            </a:pPr>
-            <a:endParaRPr b="0" lang="en-US" sz="2000" spc="-1" strike="noStrike">
-              <a:solidFill>
-                <a:srgbClr val="000000"/>
-              </a:solidFill>
-              <a:latin typeface="Rockwell"/>
+            <a:endParaRPr b="0" lang="en-IE" sz="3200" spc="-1" strike="noStrike">
+              <a:latin typeface="Arial"/>
             </a:endParaRPr>
           </a:p>
         </p:txBody>
@@ -5770,8 +5353,8 @@
         </p:nvSpPr>
         <p:spPr>
           <a:xfrm>
-            <a:off x="1069920" y="4237200"/>
-            <a:ext cx="10058040" cy="1931760"/>
+            <a:off x="609480" y="3682080"/>
+            <a:ext cx="10972440" cy="1896840"/>
           </a:xfrm>
           <a:prstGeom prst="rect">
             <a:avLst/>
@@ -5786,20 +5369,8 @@
             <a:normAutofit/>
           </a:bodyPr>
           <a:p>
-            <a:pPr>
-              <a:lnSpc>
-                <a:spcPct val="90000"/>
-              </a:lnSpc>
-              <a:spcBef>
-                <a:spcPts val="1417"/>
-              </a:spcBef>
-              <a:buNone/>
-            </a:pPr>
-            <a:endParaRPr b="0" lang="en-US" sz="2000" spc="-1" strike="noStrike">
-              <a:solidFill>
-                <a:srgbClr val="000000"/>
-              </a:solidFill>
-              <a:latin typeface="Rockwell"/>
+            <a:endParaRPr b="0" lang="en-IE" sz="3200" spc="-1" strike="noStrike">
+              <a:latin typeface="Arial"/>
             </a:endParaRPr>
           </a:p>
         </p:txBody>
@@ -5811,7 +5382,7 @@
             <a:spLocks noGrp="1"/>
           </p:cNvSpPr>
           <p:nvPr>
-            <p:ph type="ftr" idx="2"/>
+            <p:ph type="ftr" idx="1"/>
           </p:nvPr>
         </p:nvSpPr>
         <p:spPr/>
@@ -5831,14 +5402,14 @@
             <a:spLocks noGrp="1"/>
           </p:cNvSpPr>
           <p:nvPr>
-            <p:ph type="sldNum" idx="3"/>
+            <p:ph type="sldNum" idx="2"/>
           </p:nvPr>
         </p:nvSpPr>
         <p:spPr/>
         <p:txBody>
           <a:bodyPr/>
           <a:p>
-            <a:fld id="{8BA49F15-5224-4273-A778-78CACF35AE71}" type="slidenum">
+            <a:fld id="{790B9BCC-B5A5-4763-ABA0-F007006EA4A1}" type="slidenum">
               <a:t>&lt;#&gt;</a:t>
             </a:fld>
           </a:p>
@@ -5851,7 +5422,7 @@
             <a:spLocks noGrp="1"/>
           </p:cNvSpPr>
           <p:nvPr>
-            <p:ph type="dt" idx="1"/>
+            <p:ph type="dt" idx="3"/>
           </p:nvPr>
         </p:nvSpPr>
         <p:spPr/>
@@ -5903,9 +5474,9 @@
         <p:grpSpPr>
           <a:xfrm>
             <a:off x="11401560" y="6229800"/>
-            <a:ext cx="456840" cy="456840"/>
+            <a:ext cx="456480" cy="456480"/>
             <a:chOff x="11401560" y="6229800"/>
-            <a:chExt cx="456840" cy="456840"/>
+            <a:chExt cx="456480" cy="456480"/>
           </a:xfrm>
         </p:grpSpPr>
         <p:sp>
@@ -5917,7 +5488,7 @@
           <p:spPr>
             <a:xfrm>
               <a:off x="11401560" y="6229800"/>
-              <a:ext cx="456840" cy="456840"/>
+              <a:ext cx="456480" cy="456480"/>
             </a:xfrm>
             <a:prstGeom prst="ellipse">
               <a:avLst/>
@@ -5947,7 +5518,7 @@
           <p:spPr>
             <a:xfrm>
               <a:off x="11431080" y="6258960"/>
-              <a:ext cx="398520" cy="398520"/>
+              <a:ext cx="398160" cy="398160"/>
             </a:xfrm>
             <a:prstGeom prst="ellipse">
               <a:avLst/>
@@ -5977,7 +5548,7 @@
         <p:spPr>
           <a:xfrm>
             <a:off x="920880" y="1347120"/>
-            <a:ext cx="10222560" cy="80280"/>
+            <a:ext cx="10222200" cy="79920"/>
           </a:xfrm>
           <a:prstGeom prst="rect">
             <a:avLst/>
@@ -6017,7 +5588,7 @@
         <p:spPr>
           <a:xfrm>
             <a:off x="920880" y="4299840"/>
-            <a:ext cx="10222560" cy="80280"/>
+            <a:ext cx="10222200" cy="79920"/>
           </a:xfrm>
           <a:prstGeom prst="rect">
             <a:avLst/>
@@ -6057,7 +5628,7 @@
         <p:spPr>
           <a:xfrm>
             <a:off x="920880" y="1484640"/>
-            <a:ext cx="10222560" cy="2742840"/>
+            <a:ext cx="10222200" cy="2742480"/>
           </a:xfrm>
           <a:prstGeom prst="rect">
             <a:avLst/>
@@ -6097,9 +5668,9 @@
         <p:grpSpPr>
           <a:xfrm>
             <a:off x="9649080" y="4069080"/>
-            <a:ext cx="1080720" cy="1080720"/>
+            <a:ext cx="1080360" cy="1080360"/>
             <a:chOff x="9649080" y="4069080"/>
-            <a:chExt cx="1080720" cy="1080720"/>
+            <a:chExt cx="1080360" cy="1080360"/>
           </a:xfrm>
         </p:grpSpPr>
         <p:sp>
@@ -6111,7 +5682,7 @@
           <p:spPr>
             <a:xfrm>
               <a:off x="9649080" y="4069080"/>
-              <a:ext cx="1080720" cy="1080720"/>
+              <a:ext cx="1080360" cy="1080360"/>
             </a:xfrm>
             <a:prstGeom prst="ellipse">
               <a:avLst/>
@@ -6141,7 +5712,7 @@
           <p:spPr>
             <a:xfrm>
               <a:off x="9757440" y="4177080"/>
-              <a:ext cx="864360" cy="864360"/>
+              <a:ext cx="864000" cy="864000"/>
             </a:xfrm>
             <a:prstGeom prst="ellipse">
               <a:avLst/>
@@ -6174,63 +5745,30 @@
         </p:nvSpPr>
         <p:spPr>
           <a:xfrm>
-            <a:off x="1051560" y="1432080"/>
-            <a:ext cx="9966600" cy="3035520"/>
-          </a:xfrm>
-          <a:prstGeom prst="rect">
-            <a:avLst/>
-          </a:prstGeom>
-          <a:noFill/>
-          <a:ln w="0">
-            <a:noFill/>
-          </a:ln>
-        </p:spPr>
-        <p:txBody>
-          <a:bodyPr anchor="ctr">
+            <a:off x="1069920" y="484560"/>
+            <a:ext cx="10057680" cy="1608480"/>
+          </a:xfrm>
+          <a:prstGeom prst="rect">
+            <a:avLst/>
+          </a:prstGeom>
+          <a:noFill/>
+          <a:ln w="0">
+            <a:noFill/>
+          </a:ln>
+        </p:spPr>
+        <p:txBody>
+          <a:bodyPr lIns="0" rIns="0" tIns="0" bIns="0" anchor="ctr">
             <a:noAutofit/>
           </a:bodyPr>
           <a:p>
-            <a:pPr>
-              <a:lnSpc>
-                <a:spcPct val="80000"/>
-              </a:lnSpc>
-              <a:buNone/>
-            </a:pPr>
-            <a:r>
-              <a:rPr b="0" lang="en-US" sz="9600" spc="-1" strike="noStrike" cap="all">
-                <a:latin typeface="Rockwell Condensed"/>
+            <a:r>
+              <a:rPr b="0" lang="en-IE" sz="1800" spc="-1" strike="noStrike">
+                <a:latin typeface="Arial"/>
               </a:rPr>
-              <a:t>Click to </a:t>
-            </a:r>
-            <a:r>
-              <a:rPr b="0" lang="en-US" sz="9600" spc="-1" strike="noStrike" cap="all">
-                <a:latin typeface="Rockwell Condensed"/>
-              </a:rPr>
-              <a:t>edit </a:t>
-            </a:r>
-            <a:r>
-              <a:rPr b="0" lang="en-US" sz="9600" spc="-1" strike="noStrike" cap="all">
-                <a:latin typeface="Rockwell Condensed"/>
-              </a:rPr>
-              <a:t>Master </a:t>
-            </a:r>
-            <a:r>
-              <a:rPr b="0" lang="en-US" sz="9600" spc="-1" strike="noStrike" cap="all">
-                <a:latin typeface="Rockwell Condensed"/>
-              </a:rPr>
-              <a:t>title </a:t>
-            </a:r>
-            <a:r>
-              <a:rPr b="0" lang="en-US" sz="9600" spc="-1" strike="noStrike" cap="all">
-                <a:latin typeface="Rockwell Condensed"/>
-              </a:rPr>
-              <a:t>style</a:t>
-            </a:r>
-            <a:endParaRPr b="0" lang="en-US" sz="9600" spc="-1" strike="noStrike">
-              <a:solidFill>
-                <a:srgbClr val="000000"/>
-              </a:solidFill>
-              <a:latin typeface="Rockwell"/>
+              <a:t>Click to edit the title text format</a:t>
+            </a:r>
+            <a:endParaRPr b="0" lang="en-IE" sz="1800" spc="-1" strike="noStrike">
+              <a:latin typeface="Arial"/>
             </a:endParaRPr>
           </a:p>
         </p:txBody>
@@ -6242,91 +5780,31 @@
             <a:spLocks noGrp="1"/>
           </p:cNvSpPr>
           <p:nvPr>
-            <p:ph type="dt" idx="1"/>
-          </p:nvPr>
-        </p:nvSpPr>
-        <p:spPr>
-          <a:xfrm>
-            <a:off x="7964280" y="6272640"/>
-            <a:ext cx="3273120" cy="364680"/>
-          </a:xfrm>
-          <a:prstGeom prst="rect">
-            <a:avLst/>
-          </a:prstGeom>
-          <a:noFill/>
-          <a:ln w="0">
-            <a:noFill/>
-          </a:ln>
-        </p:spPr>
-        <p:txBody>
-          <a:bodyPr anchor="ctr">
+            <p:ph type="ftr" idx="1"/>
+          </p:nvPr>
+        </p:nvSpPr>
+        <p:spPr>
+          <a:xfrm>
+            <a:off x="1088280" y="6272640"/>
+            <a:ext cx="6327000" cy="364320"/>
+          </a:xfrm>
+          <a:prstGeom prst="rect">
+            <a:avLst/>
+          </a:prstGeom>
+          <a:noFill/>
+          <a:ln w="0">
+            <a:noFill/>
+          </a:ln>
+        </p:spPr>
+        <p:txBody>
+          <a:bodyPr lIns="90000" rIns="90000" tIns="45000" bIns="45000" anchor="ctr">
             <a:noAutofit/>
           </a:bodyPr>
           <a:lstStyle>
-            <a:lvl1pPr algn="r">
+            <a:lvl1pPr algn="ctr">
               <a:lnSpc>
                 <a:spcPct val="100000"/>
               </a:lnSpc>
-              <a:buNone/>
-              <a:defRPr b="0" lang="en-US" sz="1100" spc="-1" strike="noStrike">
-                <a:solidFill>
-                  <a:srgbClr val="696464"/>
-                </a:solidFill>
-                <a:latin typeface="Rockwell"/>
-              </a:defRPr>
-            </a:lvl1pPr>
-          </a:lstStyle>
-          <a:p>
-            <a:pPr algn="r">
-              <a:lnSpc>
-                <a:spcPct val="100000"/>
-              </a:lnSpc>
-              <a:buNone/>
-            </a:pPr>
-            <a:r>
-              <a:rPr b="0" lang="en-US" sz="1100" spc="-1" strike="noStrike">
-                <a:solidFill>
-                  <a:srgbClr val="696464"/>
-                </a:solidFill>
-                <a:latin typeface="Rockwell"/>
-              </a:rPr>
-              <a:t>&lt;date/time&gt;</a:t>
-            </a:r>
-            <a:endParaRPr b="0" lang="en-IE" sz="1100" spc="-1" strike="noStrike">
-              <a:latin typeface="Times New Roman"/>
-            </a:endParaRPr>
-          </a:p>
-        </p:txBody>
-      </p:sp>
-      <p:sp>
-        <p:nvSpPr>
-          <p:cNvPr id="11" name="PlaceHolder 3"/>
-          <p:cNvSpPr>
-            <a:spLocks noGrp="1"/>
-          </p:cNvSpPr>
-          <p:nvPr>
-            <p:ph type="ftr" idx="2"/>
-          </p:nvPr>
-        </p:nvSpPr>
-        <p:spPr>
-          <a:xfrm>
-            <a:off x="1088280" y="6272640"/>
-            <a:ext cx="6327360" cy="364680"/>
-          </a:xfrm>
-          <a:prstGeom prst="rect">
-            <a:avLst/>
-          </a:prstGeom>
-          <a:noFill/>
-          <a:ln w="0">
-            <a:noFill/>
-          </a:ln>
-        </p:spPr>
-        <p:txBody>
-          <a:bodyPr anchor="ctr">
-            <a:noAutofit/>
-          </a:bodyPr>
-          <a:lstStyle>
-            <a:lvl1pPr algn="ctr">
               <a:buNone/>
               <a:defRPr b="0" lang="en-IE" sz="1400" spc="-1" strike="noStrike">
                 <a:latin typeface="Times New Roman"/>
@@ -6335,6 +5813,9 @@
           </a:lstStyle>
           <a:p>
             <a:pPr algn="ctr">
+              <a:lnSpc>
+                <a:spcPct val="100000"/>
+              </a:lnSpc>
               <a:buNone/>
             </a:pPr>
             <a:r>
@@ -6351,29 +5832,29 @@
       </p:sp>
       <p:sp>
         <p:nvSpPr>
-          <p:cNvPr id="12" name="PlaceHolder 4"/>
-          <p:cNvSpPr>
-            <a:spLocks noGrp="1"/>
-          </p:cNvSpPr>
-          <p:nvPr>
-            <p:ph type="sldNum" idx="3"/>
+          <p:cNvPr id="11" name="PlaceHolder 3"/>
+          <p:cNvSpPr>
+            <a:spLocks noGrp="1"/>
+          </p:cNvSpPr>
+          <p:nvPr>
+            <p:ph type="sldNum" idx="2"/>
           </p:nvPr>
         </p:nvSpPr>
         <p:spPr>
           <a:xfrm>
             <a:off x="9592560" y="4289400"/>
-            <a:ext cx="1193400" cy="639720"/>
-          </a:xfrm>
-          <a:prstGeom prst="rect">
-            <a:avLst/>
-          </a:prstGeom>
-          <a:noFill/>
-          <a:ln w="0">
-            <a:noFill/>
-          </a:ln>
-        </p:spPr>
-        <p:txBody>
-          <a:bodyPr anchor="ctr">
+            <a:ext cx="1193040" cy="639360"/>
+          </a:xfrm>
+          <a:prstGeom prst="rect">
+            <a:avLst/>
+          </a:prstGeom>
+          <a:noFill/>
+          <a:ln w="0">
+            <a:noFill/>
+          </a:ln>
+        </p:spPr>
+        <p:txBody>
+          <a:bodyPr lIns="90000" rIns="90000" tIns="45000" bIns="45000" anchor="ctr">
             <a:noAutofit/>
           </a:bodyPr>
           <a:lstStyle>
@@ -6397,7 +5878,7 @@
               </a:lnSpc>
               <a:buNone/>
             </a:pPr>
-            <a:fld id="{F900D261-51A3-49C8-9AB1-4B1D66BFC0CD}" type="slidenum">
+            <a:fld id="{C250692C-3E90-4B00-BB1E-4F515637D9C8}" type="slidenum">
               <a:rPr b="1" lang="en-US" sz="2800" spc="-1" strike="noStrike">
                 <a:solidFill>
                   <a:srgbClr val="ffffff"/>
@@ -6414,6 +5895,53 @@
       </p:sp>
       <p:sp>
         <p:nvSpPr>
+          <p:cNvPr id="12" name="PlaceHolder 4"/>
+          <p:cNvSpPr>
+            <a:spLocks noGrp="1"/>
+          </p:cNvSpPr>
+          <p:nvPr>
+            <p:ph type="dt" idx="3"/>
+          </p:nvPr>
+        </p:nvSpPr>
+        <p:spPr>
+          <a:xfrm>
+            <a:off x="7964280" y="6272640"/>
+            <a:ext cx="3272760" cy="364320"/>
+          </a:xfrm>
+          <a:prstGeom prst="rect">
+            <a:avLst/>
+          </a:prstGeom>
+          <a:noFill/>
+          <a:ln w="0">
+            <a:noFill/>
+          </a:ln>
+        </p:spPr>
+        <p:txBody>
+          <a:bodyPr lIns="90000" rIns="90000" tIns="45000" bIns="45000" anchor="ctr">
+            <a:noAutofit/>
+          </a:bodyPr>
+          <a:lstStyle>
+            <a:lvl1pPr>
+              <a:defRPr b="0" lang="en-IE" sz="1400" spc="-1" strike="noStrike">
+                <a:latin typeface="Times New Roman"/>
+              </a:defRPr>
+            </a:lvl1pPr>
+          </a:lstStyle>
+          <a:p>
+            <a:r>
+              <a:rPr b="0" lang="en-IE" sz="1400" spc="-1" strike="noStrike">
+                <a:latin typeface="Times New Roman"/>
+              </a:rPr>
+              <a:t>&lt;date/time&gt;</a:t>
+            </a:r>
+            <a:endParaRPr b="0" lang="en-IE" sz="1400" spc="-1" strike="noStrike">
+              <a:latin typeface="Times New Roman"/>
+            </a:endParaRPr>
+          </a:p>
+        </p:txBody>
+      </p:sp>
+      <p:sp>
+        <p:nvSpPr>
           <p:cNvPr id="13" name="PlaceHolder 5"/>
           <p:cNvSpPr>
             <a:spLocks noGrp="1"/>
@@ -6441,9 +5969,6 @@
           </a:bodyPr>
           <a:p>
             <a:pPr marL="432000" indent="-324000">
-              <a:lnSpc>
-                <a:spcPct val="90000"/>
-              </a:lnSpc>
               <a:spcBef>
                 <a:spcPts val="1417"/>
               </a:spcBef>
@@ -6455,26 +5980,17 @@
               <a:buChar char=""/>
             </a:pPr>
             <a:r>
-              <a:rPr b="0" lang="en-US" sz="2000" spc="-1" strike="noStrike">
-                <a:solidFill>
-                  <a:srgbClr val="000000"/>
-                </a:solidFill>
-                <a:latin typeface="Rockwell"/>
+              <a:rPr b="0" lang="en-IE" sz="3200" spc="-1" strike="noStrike">
+                <a:latin typeface="Arial"/>
               </a:rPr>
               <a:t>Click to edit the outline text format</a:t>
             </a:r>
-            <a:endParaRPr b="0" lang="en-US" sz="2000" spc="-1" strike="noStrike">
-              <a:solidFill>
-                <a:srgbClr val="000000"/>
-              </a:solidFill>
-              <a:latin typeface="Rockwell"/>
+            <a:endParaRPr b="0" lang="en-IE" sz="3200" spc="-1" strike="noStrike">
+              <a:latin typeface="Arial"/>
             </a:endParaRPr>
           </a:p>
           <a:p>
             <a:pPr lvl="1" marL="864000" indent="-324000">
-              <a:lnSpc>
-                <a:spcPct val="90000"/>
-              </a:lnSpc>
               <a:spcBef>
                 <a:spcPts val="1134"/>
               </a:spcBef>
@@ -6486,26 +6002,17 @@
               <a:buChar char=""/>
             </a:pPr>
             <a:r>
-              <a:rPr b="0" lang="en-US" sz="1600" spc="-1" strike="noStrike">
-                <a:solidFill>
-                  <a:srgbClr val="000000"/>
-                </a:solidFill>
-                <a:latin typeface="Rockwell"/>
+              <a:rPr b="0" lang="en-IE" sz="2800" spc="-1" strike="noStrike">
+                <a:latin typeface="Arial"/>
               </a:rPr>
               <a:t>Second Outline Level</a:t>
             </a:r>
-            <a:endParaRPr b="0" lang="en-US" sz="1600" spc="-1" strike="noStrike">
-              <a:solidFill>
-                <a:srgbClr val="000000"/>
-              </a:solidFill>
-              <a:latin typeface="Rockwell"/>
+            <a:endParaRPr b="0" lang="en-IE" sz="2800" spc="-1" strike="noStrike">
+              <a:latin typeface="Arial"/>
             </a:endParaRPr>
           </a:p>
           <a:p>
             <a:pPr lvl="2" marL="1296000" indent="-288000">
-              <a:lnSpc>
-                <a:spcPct val="90000"/>
-              </a:lnSpc>
               <a:spcBef>
                 <a:spcPts val="850"/>
               </a:spcBef>
@@ -6517,26 +6024,17 @@
               <a:buChar char=""/>
             </a:pPr>
             <a:r>
-              <a:rPr b="0" lang="en-US" sz="1600" spc="-1" strike="noStrike">
-                <a:solidFill>
-                  <a:srgbClr val="000000"/>
-                </a:solidFill>
-                <a:latin typeface="Rockwell"/>
+              <a:rPr b="0" lang="en-IE" sz="2400" spc="-1" strike="noStrike">
+                <a:latin typeface="Arial"/>
               </a:rPr>
               <a:t>Third Outline Level</a:t>
             </a:r>
-            <a:endParaRPr b="0" lang="en-US" sz="1600" spc="-1" strike="noStrike">
-              <a:solidFill>
-                <a:srgbClr val="000000"/>
-              </a:solidFill>
-              <a:latin typeface="Rockwell"/>
+            <a:endParaRPr b="0" lang="en-IE" sz="2400" spc="-1" strike="noStrike">
+              <a:latin typeface="Arial"/>
             </a:endParaRPr>
           </a:p>
           <a:p>
             <a:pPr lvl="3" marL="1728000" indent="-216000">
-              <a:lnSpc>
-                <a:spcPct val="90000"/>
-              </a:lnSpc>
               <a:spcBef>
                 <a:spcPts val="567"/>
               </a:spcBef>
@@ -6548,26 +6046,17 @@
               <a:buChar char=""/>
             </a:pPr>
             <a:r>
-              <a:rPr b="0" lang="en-US" sz="1600" spc="-1" strike="noStrike">
-                <a:solidFill>
-                  <a:srgbClr val="000000"/>
-                </a:solidFill>
-                <a:latin typeface="Rockwell"/>
+              <a:rPr b="0" lang="en-IE" sz="2000" spc="-1" strike="noStrike">
+                <a:latin typeface="Arial"/>
               </a:rPr>
               <a:t>Fourth Outline Level</a:t>
             </a:r>
-            <a:endParaRPr b="0" lang="en-US" sz="1600" spc="-1" strike="noStrike">
-              <a:solidFill>
-                <a:srgbClr val="000000"/>
-              </a:solidFill>
-              <a:latin typeface="Rockwell"/>
+            <a:endParaRPr b="0" lang="en-IE" sz="2000" spc="-1" strike="noStrike">
+              <a:latin typeface="Arial"/>
             </a:endParaRPr>
           </a:p>
           <a:p>
             <a:pPr lvl="4" marL="2160000" indent="-216000">
-              <a:lnSpc>
-                <a:spcPct val="90000"/>
-              </a:lnSpc>
               <a:spcBef>
                 <a:spcPts val="283"/>
               </a:spcBef>
@@ -6579,26 +6068,17 @@
               <a:buChar char=""/>
             </a:pPr>
             <a:r>
-              <a:rPr b="0" lang="en-US" sz="2000" spc="-1" strike="noStrike">
-                <a:solidFill>
-                  <a:srgbClr val="000000"/>
-                </a:solidFill>
-                <a:latin typeface="Rockwell"/>
+              <a:rPr b="0" lang="en-IE" sz="2000" spc="-1" strike="noStrike">
+                <a:latin typeface="Arial"/>
               </a:rPr>
               <a:t>Fifth Outline Level</a:t>
             </a:r>
-            <a:endParaRPr b="0" lang="en-US" sz="2000" spc="-1" strike="noStrike">
-              <a:solidFill>
-                <a:srgbClr val="000000"/>
-              </a:solidFill>
-              <a:latin typeface="Rockwell"/>
+            <a:endParaRPr b="0" lang="en-IE" sz="2000" spc="-1" strike="noStrike">
+              <a:latin typeface="Arial"/>
             </a:endParaRPr>
           </a:p>
           <a:p>
             <a:pPr lvl="5" marL="2592000" indent="-216000">
-              <a:lnSpc>
-                <a:spcPct val="90000"/>
-              </a:lnSpc>
               <a:spcBef>
                 <a:spcPts val="283"/>
               </a:spcBef>
@@ -6610,26 +6090,17 @@
               <a:buChar char=""/>
             </a:pPr>
             <a:r>
-              <a:rPr b="0" lang="en-US" sz="2000" spc="-1" strike="noStrike">
-                <a:solidFill>
-                  <a:srgbClr val="000000"/>
-                </a:solidFill>
-                <a:latin typeface="Rockwell"/>
+              <a:rPr b="0" lang="en-IE" sz="2000" spc="-1" strike="noStrike">
+                <a:latin typeface="Arial"/>
               </a:rPr>
               <a:t>Sixth Outline Level</a:t>
             </a:r>
-            <a:endParaRPr b="0" lang="en-US" sz="2000" spc="-1" strike="noStrike">
-              <a:solidFill>
-                <a:srgbClr val="000000"/>
-              </a:solidFill>
-              <a:latin typeface="Rockwell"/>
+            <a:endParaRPr b="0" lang="en-IE" sz="2000" spc="-1" strike="noStrike">
+              <a:latin typeface="Arial"/>
             </a:endParaRPr>
           </a:p>
           <a:p>
             <a:pPr lvl="6" marL="3024000" indent="-216000">
-              <a:lnSpc>
-                <a:spcPct val="90000"/>
-              </a:lnSpc>
               <a:spcBef>
                 <a:spcPts val="283"/>
               </a:spcBef>
@@ -6641,19 +6112,13 @@
               <a:buChar char=""/>
             </a:pPr>
             <a:r>
-              <a:rPr b="0" lang="en-US" sz="2000" spc="-1" strike="noStrike">
-                <a:solidFill>
-                  <a:srgbClr val="000000"/>
-                </a:solidFill>
-                <a:latin typeface="Rockwell"/>
+              <a:rPr b="0" lang="en-IE" sz="2000" spc="-1" strike="noStrike">
+                <a:latin typeface="Arial"/>
               </a:rPr>
               <a:t>Seventh Outline Level</a:t>
             </a:r>
-            <a:endParaRPr b="0" lang="en-US" sz="2000" spc="-1" strike="noStrike">
-              <a:solidFill>
-                <a:srgbClr val="000000"/>
-              </a:solidFill>
-              <a:latin typeface="Rockwell"/>
+            <a:endParaRPr b="0" lang="en-IE" sz="2000" spc="-1" strike="noStrike">
+              <a:latin typeface="Arial"/>
             </a:endParaRPr>
           </a:p>
         </p:txBody>
@@ -6711,9 +6176,9 @@
         <p:grpSpPr>
           <a:xfrm>
             <a:off x="11401560" y="6229800"/>
-            <a:ext cx="456840" cy="456840"/>
+            <a:ext cx="456480" cy="456480"/>
             <a:chOff x="11401560" y="6229800"/>
-            <a:chExt cx="456840" cy="456840"/>
+            <a:chExt cx="456480" cy="456480"/>
           </a:xfrm>
         </p:grpSpPr>
         <p:sp>
@@ -6725,7 +6190,7 @@
           <p:spPr>
             <a:xfrm>
               <a:off x="11401560" y="6229800"/>
-              <a:ext cx="456840" cy="456840"/>
+              <a:ext cx="456480" cy="456480"/>
             </a:xfrm>
             <a:prstGeom prst="ellipse">
               <a:avLst/>
@@ -6755,7 +6220,7 @@
           <p:spPr>
             <a:xfrm>
               <a:off x="11431080" y="6258960"/>
-              <a:ext cx="398520" cy="398520"/>
+              <a:ext cx="398160" cy="398160"/>
             </a:xfrm>
             <a:prstGeom prst="ellipse">
               <a:avLst/>
@@ -6783,336 +6248,31 @@
             <a:spLocks noGrp="1"/>
           </p:cNvSpPr>
           <p:nvPr>
-            <p:ph type="title"/>
-          </p:nvPr>
-        </p:nvSpPr>
-        <p:spPr>
-          <a:xfrm>
-            <a:off x="1069920" y="484560"/>
-            <a:ext cx="10058040" cy="1608840"/>
-          </a:xfrm>
-          <a:prstGeom prst="rect">
-            <a:avLst/>
-          </a:prstGeom>
-          <a:noFill/>
-          <a:ln w="0">
-            <a:noFill/>
-          </a:ln>
-        </p:spPr>
-        <p:txBody>
-          <a:bodyPr anchor="ctr">
+            <p:ph type="ftr" idx="4"/>
+          </p:nvPr>
+        </p:nvSpPr>
+        <p:spPr>
+          <a:xfrm>
+            <a:off x="1088280" y="6272640"/>
+            <a:ext cx="6327000" cy="364320"/>
+          </a:xfrm>
+          <a:prstGeom prst="rect">
+            <a:avLst/>
+          </a:prstGeom>
+          <a:noFill/>
+          <a:ln w="0">
+            <a:noFill/>
+          </a:ln>
+        </p:spPr>
+        <p:txBody>
+          <a:bodyPr lIns="90000" rIns="90000" tIns="45000" bIns="45000" anchor="ctr">
             <a:noAutofit/>
           </a:bodyPr>
-          <a:p>
-            <a:pPr>
-              <a:lnSpc>
-                <a:spcPct val="90000"/>
-              </a:lnSpc>
-              <a:buNone/>
-            </a:pPr>
-            <a:r>
-              <a:rPr b="0" lang="en-US" sz="5400" spc="-1" strike="noStrike" cap="all">
-                <a:latin typeface="Rockwell Condensed"/>
-              </a:rPr>
-              <a:t>Click to edit Master title style</a:t>
-            </a:r>
-            <a:endParaRPr b="0" lang="en-US" sz="5400" spc="-1" strike="noStrike">
-              <a:solidFill>
-                <a:srgbClr val="000000"/>
-              </a:solidFill>
-              <a:latin typeface="Rockwell"/>
-            </a:endParaRPr>
-          </a:p>
-        </p:txBody>
-      </p:sp>
-      <p:sp>
-        <p:nvSpPr>
-          <p:cNvPr id="54" name="PlaceHolder 2"/>
-          <p:cNvSpPr>
-            <a:spLocks noGrp="1"/>
-          </p:cNvSpPr>
-          <p:nvPr>
-            <p:ph type="body"/>
-          </p:nvPr>
-        </p:nvSpPr>
-        <p:spPr>
-          <a:xfrm>
-            <a:off x="1069920" y="2121480"/>
-            <a:ext cx="10058040" cy="4050360"/>
-          </a:xfrm>
-          <a:prstGeom prst="rect">
-            <a:avLst/>
-          </a:prstGeom>
-          <a:noFill/>
-          <a:ln w="0">
-            <a:noFill/>
-          </a:ln>
-        </p:spPr>
-        <p:txBody>
-          <a:bodyPr anchor="t">
-            <a:noAutofit/>
-          </a:bodyPr>
-          <a:p>
-            <a:pPr marL="182880" indent="-182880">
-              <a:lnSpc>
-                <a:spcPct val="90000"/>
-              </a:lnSpc>
-              <a:spcBef>
-                <a:spcPts val="1199"/>
-              </a:spcBef>
-              <a:buClr>
-                <a:srgbClr val="9e3611"/>
-              </a:buClr>
-              <a:buSzPct val="85000"/>
-              <a:buFont typeface="Wingdings" charset="2"/>
-              <a:buChar char=""/>
-            </a:pPr>
-            <a:r>
-              <a:rPr b="0" lang="en-US" sz="2000" spc="-1" strike="noStrike">
-                <a:solidFill>
-                  <a:srgbClr val="000000"/>
-                </a:solidFill>
-                <a:latin typeface="Rockwell"/>
-              </a:rPr>
-              <a:t>Click to edit Master text styles</a:t>
-            </a:r>
-            <a:endParaRPr b="0" lang="en-US" sz="2000" spc="-1" strike="noStrike">
-              <a:solidFill>
-                <a:srgbClr val="000000"/>
-              </a:solidFill>
-              <a:latin typeface="Rockwell"/>
-            </a:endParaRPr>
-          </a:p>
-          <a:p>
-            <a:pPr lvl="1" marL="457200" indent="-182880">
-              <a:lnSpc>
-                <a:spcPct val="90000"/>
-              </a:lnSpc>
-              <a:spcBef>
-                <a:spcPts val="400"/>
-              </a:spcBef>
-              <a:spcAft>
-                <a:spcPts val="201"/>
-              </a:spcAft>
-              <a:buClr>
-                <a:srgbClr val="9e3611"/>
-              </a:buClr>
-              <a:buSzPct val="85000"/>
-              <a:buFont typeface="Wingdings" charset="2"/>
-              <a:buChar char=""/>
-            </a:pPr>
-            <a:r>
-              <a:rPr b="0" lang="en-US" sz="1800" spc="-1" strike="noStrike">
-                <a:solidFill>
-                  <a:srgbClr val="000000"/>
-                </a:solidFill>
-                <a:latin typeface="Rockwell"/>
-              </a:rPr>
-              <a:t>Second level</a:t>
-            </a:r>
-            <a:endParaRPr b="0" lang="en-US" sz="1800" spc="-1" strike="noStrike">
-              <a:solidFill>
-                <a:srgbClr val="000000"/>
-              </a:solidFill>
-              <a:latin typeface="Rockwell"/>
-            </a:endParaRPr>
-          </a:p>
-          <a:p>
-            <a:pPr lvl="2" marL="731520" indent="-182880">
-              <a:lnSpc>
-                <a:spcPct val="90000"/>
-              </a:lnSpc>
-              <a:spcBef>
-                <a:spcPts val="400"/>
-              </a:spcBef>
-              <a:spcAft>
-                <a:spcPts val="201"/>
-              </a:spcAft>
-              <a:buClr>
-                <a:srgbClr val="9e3611"/>
-              </a:buClr>
-              <a:buSzPct val="85000"/>
-              <a:buFont typeface="Wingdings" charset="2"/>
-              <a:buChar char=""/>
-            </a:pPr>
-            <a:r>
-              <a:rPr b="0" lang="en-US" sz="1600" spc="-1" strike="noStrike">
-                <a:solidFill>
-                  <a:srgbClr val="000000"/>
-                </a:solidFill>
-                <a:latin typeface="Rockwell"/>
-              </a:rPr>
-              <a:t>Third level</a:t>
-            </a:r>
-            <a:endParaRPr b="0" lang="en-US" sz="1600" spc="-1" strike="noStrike">
-              <a:solidFill>
-                <a:srgbClr val="000000"/>
-              </a:solidFill>
-              <a:latin typeface="Rockwell"/>
-            </a:endParaRPr>
-          </a:p>
-          <a:p>
-            <a:pPr lvl="3" marL="1005840" indent="-182880">
-              <a:lnSpc>
-                <a:spcPct val="90000"/>
-              </a:lnSpc>
-              <a:spcBef>
-                <a:spcPts val="400"/>
-              </a:spcBef>
-              <a:spcAft>
-                <a:spcPts val="201"/>
-              </a:spcAft>
-              <a:buClr>
-                <a:srgbClr val="9e3611"/>
-              </a:buClr>
-              <a:buSzPct val="85000"/>
-              <a:buFont typeface="Wingdings" charset="2"/>
-              <a:buChar char=""/>
-            </a:pPr>
-            <a:r>
-              <a:rPr b="0" lang="en-US" sz="1600" spc="-1" strike="noStrike">
-                <a:solidFill>
-                  <a:srgbClr val="000000"/>
-                </a:solidFill>
-                <a:latin typeface="Rockwell"/>
-              </a:rPr>
-              <a:t>Fourth level</a:t>
-            </a:r>
-            <a:endParaRPr b="0" lang="en-US" sz="1600" spc="-1" strike="noStrike">
-              <a:solidFill>
-                <a:srgbClr val="000000"/>
-              </a:solidFill>
-              <a:latin typeface="Rockwell"/>
-            </a:endParaRPr>
-          </a:p>
-          <a:p>
-            <a:pPr lvl="4" marL="1280160" indent="-182880">
-              <a:lnSpc>
-                <a:spcPct val="90000"/>
-              </a:lnSpc>
-              <a:spcBef>
-                <a:spcPts val="400"/>
-              </a:spcBef>
-              <a:spcAft>
-                <a:spcPts val="201"/>
-              </a:spcAft>
-              <a:buClr>
-                <a:srgbClr val="9e3611"/>
-              </a:buClr>
-              <a:buSzPct val="85000"/>
-              <a:buFont typeface="Wingdings" charset="2"/>
-              <a:buChar char=""/>
-            </a:pPr>
-            <a:r>
-              <a:rPr b="0" lang="en-US" sz="1600" spc="-1" strike="noStrike">
-                <a:solidFill>
-                  <a:srgbClr val="000000"/>
-                </a:solidFill>
-                <a:latin typeface="Rockwell"/>
-              </a:rPr>
-              <a:t>Fifth level</a:t>
-            </a:r>
-            <a:endParaRPr b="0" lang="en-US" sz="1600" spc="-1" strike="noStrike">
-              <a:solidFill>
-                <a:srgbClr val="000000"/>
-              </a:solidFill>
-              <a:latin typeface="Rockwell"/>
-            </a:endParaRPr>
-          </a:p>
-        </p:txBody>
-      </p:sp>
-      <p:sp>
-        <p:nvSpPr>
-          <p:cNvPr id="55" name="PlaceHolder 3"/>
-          <p:cNvSpPr>
-            <a:spLocks noGrp="1"/>
-          </p:cNvSpPr>
-          <p:nvPr>
-            <p:ph type="dt" idx="4"/>
-          </p:nvPr>
-        </p:nvSpPr>
-        <p:spPr>
-          <a:xfrm>
-            <a:off x="7964280" y="6272640"/>
-            <a:ext cx="3273120" cy="364680"/>
-          </a:xfrm>
-          <a:prstGeom prst="rect">
-            <a:avLst/>
-          </a:prstGeom>
-          <a:noFill/>
-          <a:ln w="0">
-            <a:noFill/>
-          </a:ln>
-        </p:spPr>
-        <p:txBody>
-          <a:bodyPr anchor="ctr">
-            <a:noAutofit/>
-          </a:bodyPr>
           <a:lstStyle>
-            <a:lvl1pPr algn="r">
+            <a:lvl1pPr algn="ctr">
               <a:lnSpc>
                 <a:spcPct val="100000"/>
               </a:lnSpc>
-              <a:buNone/>
-              <a:defRPr b="0" lang="en-US" sz="1100" spc="-1" strike="noStrike">
-                <a:solidFill>
-                  <a:srgbClr val="696464"/>
-                </a:solidFill>
-                <a:latin typeface="Rockwell"/>
-              </a:defRPr>
-            </a:lvl1pPr>
-          </a:lstStyle>
-          <a:p>
-            <a:pPr algn="r">
-              <a:lnSpc>
-                <a:spcPct val="100000"/>
-              </a:lnSpc>
-              <a:buNone/>
-            </a:pPr>
-            <a:r>
-              <a:rPr b="0" lang="en-US" sz="1100" spc="-1" strike="noStrike">
-                <a:solidFill>
-                  <a:srgbClr val="696464"/>
-                </a:solidFill>
-                <a:latin typeface="Rockwell"/>
-              </a:rPr>
-              <a:t>&lt;date/time&gt;</a:t>
-            </a:r>
-            <a:endParaRPr b="0" lang="en-IE" sz="1100" spc="-1" strike="noStrike">
-              <a:latin typeface="Times New Roman"/>
-            </a:endParaRPr>
-          </a:p>
-        </p:txBody>
-      </p:sp>
-      <p:sp>
-        <p:nvSpPr>
-          <p:cNvPr id="56" name="PlaceHolder 4"/>
-          <p:cNvSpPr>
-            <a:spLocks noGrp="1"/>
-          </p:cNvSpPr>
-          <p:nvPr>
-            <p:ph type="ftr" idx="5"/>
-          </p:nvPr>
-        </p:nvSpPr>
-        <p:spPr>
-          <a:xfrm>
-            <a:off x="1088280" y="6272640"/>
-            <a:ext cx="6327360" cy="364680"/>
-          </a:xfrm>
-          <a:prstGeom prst="rect">
-            <a:avLst/>
-          </a:prstGeom>
-          <a:noFill/>
-          <a:ln w="0">
-            <a:noFill/>
-          </a:ln>
-        </p:spPr>
-        <p:txBody>
-          <a:bodyPr anchor="ctr">
-            <a:noAutofit/>
-          </a:bodyPr>
-          <a:lstStyle>
-            <a:lvl1pPr algn="ctr">
               <a:buNone/>
               <a:defRPr b="0" lang="en-IE" sz="1400" spc="-1" strike="noStrike">
                 <a:latin typeface="Times New Roman"/>
@@ -7121,6 +6281,9 @@
           </a:lstStyle>
           <a:p>
             <a:pPr algn="ctr">
+              <a:lnSpc>
+                <a:spcPct val="100000"/>
+              </a:lnSpc>
               <a:buNone/>
             </a:pPr>
             <a:r>
@@ -7137,29 +6300,29 @@
       </p:sp>
       <p:sp>
         <p:nvSpPr>
-          <p:cNvPr id="57" name="PlaceHolder 5"/>
-          <p:cNvSpPr>
-            <a:spLocks noGrp="1"/>
-          </p:cNvSpPr>
-          <p:nvPr>
-            <p:ph type="sldNum" idx="6"/>
+          <p:cNvPr id="54" name="PlaceHolder 2"/>
+          <p:cNvSpPr>
+            <a:spLocks noGrp="1"/>
+          </p:cNvSpPr>
+          <p:nvPr>
+            <p:ph type="sldNum" idx="5"/>
           </p:nvPr>
         </p:nvSpPr>
         <p:spPr>
           <a:xfrm>
             <a:off x="11311200" y="6272640"/>
-            <a:ext cx="639720" cy="364680"/>
-          </a:xfrm>
-          <a:prstGeom prst="rect">
-            <a:avLst/>
-          </a:prstGeom>
-          <a:noFill/>
-          <a:ln w="0">
-            <a:noFill/>
-          </a:ln>
-        </p:spPr>
-        <p:txBody>
-          <a:bodyPr anchor="ctr">
+            <a:ext cx="639360" cy="364320"/>
+          </a:xfrm>
+          <a:prstGeom prst="rect">
+            <a:avLst/>
+          </a:prstGeom>
+          <a:noFill/>
+          <a:ln w="0">
+            <a:noFill/>
+          </a:ln>
+        </p:spPr>
+        <p:txBody>
+          <a:bodyPr lIns="90000" rIns="90000" tIns="45000" bIns="45000" anchor="ctr">
             <a:noAutofit/>
           </a:bodyPr>
           <a:lstStyle>
@@ -7183,7 +6346,7 @@
               </a:lnSpc>
               <a:buNone/>
             </a:pPr>
-            <a:fld id="{BABFA7A0-6722-4B24-994D-A6DDA1791C07}" type="slidenum">
+            <a:fld id="{F16F28CA-2561-44E3-A418-2D340CC1C170}" type="slidenum">
               <a:rPr b="1" lang="en-US" sz="1400" spc="-1" strike="noStrike">
                 <a:solidFill>
                   <a:srgbClr val="ffffff"/>
@@ -7194,6 +6357,279 @@
             </a:fld>
             <a:endParaRPr b="0" lang="en-IE" sz="1400" spc="-1" strike="noStrike">
               <a:latin typeface="Times New Roman"/>
+            </a:endParaRPr>
+          </a:p>
+        </p:txBody>
+      </p:sp>
+      <p:sp>
+        <p:nvSpPr>
+          <p:cNvPr id="55" name="PlaceHolder 3"/>
+          <p:cNvSpPr>
+            <a:spLocks noGrp="1"/>
+          </p:cNvSpPr>
+          <p:nvPr>
+            <p:ph type="dt" idx="6"/>
+          </p:nvPr>
+        </p:nvSpPr>
+        <p:spPr>
+          <a:xfrm>
+            <a:off x="7964280" y="6272640"/>
+            <a:ext cx="3272760" cy="364320"/>
+          </a:xfrm>
+          <a:prstGeom prst="rect">
+            <a:avLst/>
+          </a:prstGeom>
+          <a:noFill/>
+          <a:ln w="0">
+            <a:noFill/>
+          </a:ln>
+        </p:spPr>
+        <p:txBody>
+          <a:bodyPr lIns="90000" rIns="90000" tIns="45000" bIns="45000" anchor="ctr">
+            <a:noAutofit/>
+          </a:bodyPr>
+          <a:lstStyle>
+            <a:lvl1pPr>
+              <a:defRPr b="0" lang="en-IE" sz="1400" spc="-1" strike="noStrike">
+                <a:latin typeface="Times New Roman"/>
+              </a:defRPr>
+            </a:lvl1pPr>
+          </a:lstStyle>
+          <a:p>
+            <a:r>
+              <a:rPr b="0" lang="en-IE" sz="1400" spc="-1" strike="noStrike">
+                <a:latin typeface="Times New Roman"/>
+              </a:rPr>
+              <a:t>&lt;date/time&gt;</a:t>
+            </a:r>
+            <a:endParaRPr b="0" lang="en-IE" sz="1400" spc="-1" strike="noStrike">
+              <a:latin typeface="Times New Roman"/>
+            </a:endParaRPr>
+          </a:p>
+        </p:txBody>
+      </p:sp>
+      <p:sp>
+        <p:nvSpPr>
+          <p:cNvPr id="56" name="PlaceHolder 4"/>
+          <p:cNvSpPr>
+            <a:spLocks noGrp="1"/>
+          </p:cNvSpPr>
+          <p:nvPr>
+            <p:ph type="title"/>
+          </p:nvPr>
+        </p:nvSpPr>
+        <p:spPr>
+          <a:xfrm>
+            <a:off x="609480" y="273600"/>
+            <a:ext cx="10972440" cy="1144800"/>
+          </a:xfrm>
+          <a:prstGeom prst="rect">
+            <a:avLst/>
+          </a:prstGeom>
+          <a:noFill/>
+          <a:ln w="0">
+            <a:noFill/>
+          </a:ln>
+        </p:spPr>
+        <p:txBody>
+          <a:bodyPr lIns="0" rIns="0" tIns="0" bIns="0" anchor="ctr">
+            <a:noAutofit/>
+          </a:bodyPr>
+          <a:p>
+            <a:pPr algn="ctr">
+              <a:buNone/>
+            </a:pPr>
+            <a:r>
+              <a:rPr b="0" lang="en-IE" sz="4400" spc="-1" strike="noStrike">
+                <a:latin typeface="Arial"/>
+              </a:rPr>
+              <a:t>Click to edit the title text format</a:t>
+            </a:r>
+            <a:endParaRPr b="0" lang="en-IE" sz="4400" spc="-1" strike="noStrike">
+              <a:latin typeface="Arial"/>
+            </a:endParaRPr>
+          </a:p>
+        </p:txBody>
+      </p:sp>
+      <p:sp>
+        <p:nvSpPr>
+          <p:cNvPr id="57" name="PlaceHolder 5"/>
+          <p:cNvSpPr>
+            <a:spLocks noGrp="1"/>
+          </p:cNvSpPr>
+          <p:nvPr>
+            <p:ph type="body"/>
+          </p:nvPr>
+        </p:nvSpPr>
+        <p:spPr>
+          <a:xfrm>
+            <a:off x="609480" y="1604520"/>
+            <a:ext cx="10972440" cy="3977280"/>
+          </a:xfrm>
+          <a:prstGeom prst="rect">
+            <a:avLst/>
+          </a:prstGeom>
+          <a:noFill/>
+          <a:ln w="0">
+            <a:noFill/>
+          </a:ln>
+        </p:spPr>
+        <p:txBody>
+          <a:bodyPr lIns="0" rIns="0" tIns="0" bIns="0" anchor="t">
+            <a:normAutofit/>
+          </a:bodyPr>
+          <a:p>
+            <a:pPr marL="432000" indent="-324000">
+              <a:spcBef>
+                <a:spcPts val="1417"/>
+              </a:spcBef>
+              <a:buClr>
+                <a:srgbClr val="000000"/>
+              </a:buClr>
+              <a:buSzPct val="45000"/>
+              <a:buFont typeface="Wingdings" charset="2"/>
+              <a:buChar char=""/>
+            </a:pPr>
+            <a:r>
+              <a:rPr b="0" lang="en-IE" sz="3200" spc="-1" strike="noStrike">
+                <a:latin typeface="Arial"/>
+              </a:rPr>
+              <a:t>Click to edit the outline text format</a:t>
+            </a:r>
+            <a:endParaRPr b="0" lang="en-IE" sz="3200" spc="-1" strike="noStrike">
+              <a:latin typeface="Arial"/>
+            </a:endParaRPr>
+          </a:p>
+          <a:p>
+            <a:pPr lvl="1" marL="864000" indent="-324000">
+              <a:spcBef>
+                <a:spcPts val="1134"/>
+              </a:spcBef>
+              <a:buClr>
+                <a:srgbClr val="000000"/>
+              </a:buClr>
+              <a:buSzPct val="75000"/>
+              <a:buFont typeface="Symbol" charset="2"/>
+              <a:buChar char=""/>
+            </a:pPr>
+            <a:r>
+              <a:rPr b="0" lang="en-IE" sz="2800" spc="-1" strike="noStrike">
+                <a:latin typeface="Arial"/>
+              </a:rPr>
+              <a:t>Second Outline Level</a:t>
+            </a:r>
+            <a:endParaRPr b="0" lang="en-IE" sz="2800" spc="-1" strike="noStrike">
+              <a:latin typeface="Arial"/>
+            </a:endParaRPr>
+          </a:p>
+          <a:p>
+            <a:pPr lvl="2" marL="1296000" indent="-288000">
+              <a:spcBef>
+                <a:spcPts val="850"/>
+              </a:spcBef>
+              <a:buClr>
+                <a:srgbClr val="000000"/>
+              </a:buClr>
+              <a:buSzPct val="45000"/>
+              <a:buFont typeface="Wingdings" charset="2"/>
+              <a:buChar char=""/>
+            </a:pPr>
+            <a:r>
+              <a:rPr b="0" lang="en-IE" sz="2400" spc="-1" strike="noStrike">
+                <a:latin typeface="Arial"/>
+              </a:rPr>
+              <a:t>Third Outline Level</a:t>
+            </a:r>
+            <a:endParaRPr b="0" lang="en-IE" sz="2400" spc="-1" strike="noStrike">
+              <a:latin typeface="Arial"/>
+            </a:endParaRPr>
+          </a:p>
+          <a:p>
+            <a:pPr lvl="3" marL="1728000" indent="-216000">
+              <a:spcBef>
+                <a:spcPts val="567"/>
+              </a:spcBef>
+              <a:buClr>
+                <a:srgbClr val="000000"/>
+              </a:buClr>
+              <a:buSzPct val="75000"/>
+              <a:buFont typeface="Symbol" charset="2"/>
+              <a:buChar char=""/>
+            </a:pPr>
+            <a:r>
+              <a:rPr b="0" lang="en-IE" sz="2000" spc="-1" strike="noStrike">
+                <a:latin typeface="Arial"/>
+              </a:rPr>
+              <a:t>Fourth Outline Level</a:t>
+            </a:r>
+            <a:endParaRPr b="0" lang="en-IE" sz="2000" spc="-1" strike="noStrike">
+              <a:latin typeface="Arial"/>
+            </a:endParaRPr>
+          </a:p>
+          <a:p>
+            <a:pPr lvl="4" marL="2160000" indent="-216000">
+              <a:spcBef>
+                <a:spcPts val="283"/>
+              </a:spcBef>
+              <a:buClr>
+                <a:srgbClr val="000000"/>
+              </a:buClr>
+              <a:buSzPct val="45000"/>
+              <a:buFont typeface="Wingdings" charset="2"/>
+              <a:buChar char=""/>
+            </a:pPr>
+            <a:r>
+              <a:rPr b="0" lang="en-IE" sz="2000" spc="-1" strike="noStrike">
+                <a:latin typeface="Arial"/>
+              </a:rPr>
+              <a:t>Fifth Outline Level</a:t>
+            </a:r>
+            <a:endParaRPr b="0" lang="en-IE" sz="2000" spc="-1" strike="noStrike">
+              <a:latin typeface="Arial"/>
+            </a:endParaRPr>
+          </a:p>
+          <a:p>
+            <a:pPr lvl="5" marL="2592000" indent="-216000">
+              <a:spcBef>
+                <a:spcPts val="283"/>
+              </a:spcBef>
+              <a:buClr>
+                <a:srgbClr val="000000"/>
+              </a:buClr>
+              <a:buSzPct val="45000"/>
+              <a:buFont typeface="Wingdings" charset="2"/>
+              <a:buChar char=""/>
+            </a:pPr>
+            <a:r>
+              <a:rPr b="0" lang="en-IE" sz="2000" spc="-1" strike="noStrike">
+                <a:latin typeface="Arial"/>
+              </a:rPr>
+              <a:t>Sixth Outline Level</a:t>
+            </a:r>
+            <a:endParaRPr b="0" lang="en-IE" sz="2000" spc="-1" strike="noStrike">
+              <a:latin typeface="Arial"/>
+            </a:endParaRPr>
+          </a:p>
+          <a:p>
+            <a:pPr lvl="6" marL="3024000" indent="-216000">
+              <a:spcBef>
+                <a:spcPts val="283"/>
+              </a:spcBef>
+              <a:buClr>
+                <a:srgbClr val="000000"/>
+              </a:buClr>
+              <a:buSzPct val="45000"/>
+              <a:buFont typeface="Wingdings" charset="2"/>
+              <a:buChar char=""/>
+            </a:pPr>
+            <a:r>
+              <a:rPr b="0" lang="en-IE" sz="2000" spc="-1" strike="noStrike">
+                <a:latin typeface="Arial"/>
+              </a:rPr>
+              <a:t>Seventh Outline Level</a:t>
+            </a:r>
+            <a:endParaRPr b="0" lang="en-IE" sz="2000" spc="-1" strike="noStrike">
+              <a:latin typeface="Arial"/>
             </a:endParaRPr>
           </a:p>
         </p:txBody>
@@ -7248,18 +6684,18 @@
         <p:spPr>
           <a:xfrm>
             <a:off x="1051560" y="1432080"/>
-            <a:ext cx="9966600" cy="3035520"/>
-          </a:xfrm>
-          <a:prstGeom prst="rect">
-            <a:avLst/>
-          </a:prstGeom>
-          <a:noFill/>
-          <a:ln w="0">
-            <a:noFill/>
-          </a:ln>
-        </p:spPr>
-        <p:txBody>
-          <a:bodyPr anchor="ctr">
+            <a:ext cx="9966240" cy="3035160"/>
+          </a:xfrm>
+          <a:prstGeom prst="rect">
+            <a:avLst/>
+          </a:prstGeom>
+          <a:noFill/>
+          <a:ln w="0">
+            <a:noFill/>
+          </a:ln>
+        </p:spPr>
+        <p:txBody>
+          <a:bodyPr lIns="0" rIns="0" tIns="0" bIns="0" anchor="ctr">
             <a:noAutofit/>
           </a:bodyPr>
           <a:p>
@@ -7275,11 +6711,8 @@
               </a:rPr>
               <a:t>DR8.1 Virtual Environments</a:t>
             </a:r>
-            <a:endParaRPr b="0" lang="en-US" sz="7200" spc="-1" strike="noStrike">
-              <a:solidFill>
-                <a:srgbClr val="000000"/>
-              </a:solidFill>
-              <a:latin typeface="Rockwell"/>
+            <a:endParaRPr b="0" lang="en-IE" sz="7200" spc="-1" strike="noStrike">
+              <a:latin typeface="Arial"/>
             </a:endParaRPr>
           </a:p>
         </p:txBody>
@@ -7297,18 +6730,18 @@
         <p:spPr>
           <a:xfrm>
             <a:off x="1069920" y="4389120"/>
-            <a:ext cx="7890840" cy="1069560"/>
-          </a:xfrm>
-          <a:prstGeom prst="rect">
-            <a:avLst/>
-          </a:prstGeom>
-          <a:noFill/>
-          <a:ln w="0">
-            <a:noFill/>
-          </a:ln>
-        </p:spPr>
-        <p:txBody>
-          <a:bodyPr anchor="t">
+            <a:ext cx="7890480" cy="1069200"/>
+          </a:xfrm>
+          <a:prstGeom prst="rect">
+            <a:avLst/>
+          </a:prstGeom>
+          <a:noFill/>
+          <a:ln w="0">
+            <a:noFill/>
+          </a:ln>
+        </p:spPr>
+        <p:txBody>
+          <a:bodyPr lIns="0" rIns="0" tIns="0" bIns="0" anchor="t">
             <a:normAutofit/>
           </a:bodyPr>
           <a:p>
@@ -7410,18 +6843,18 @@
         <p:spPr>
           <a:xfrm>
             <a:off x="1069920" y="484560"/>
-            <a:ext cx="10058040" cy="1608840"/>
-          </a:xfrm>
-          <a:prstGeom prst="rect">
-            <a:avLst/>
-          </a:prstGeom>
-          <a:noFill/>
-          <a:ln w="0">
-            <a:noFill/>
-          </a:ln>
-        </p:spPr>
-        <p:txBody>
-          <a:bodyPr anchor="ctr">
+            <a:ext cx="10057680" cy="1608480"/>
+          </a:xfrm>
+          <a:prstGeom prst="rect">
+            <a:avLst/>
+          </a:prstGeom>
+          <a:noFill/>
+          <a:ln w="0">
+            <a:noFill/>
+          </a:ln>
+        </p:spPr>
+        <p:txBody>
+          <a:bodyPr lIns="90000" rIns="90000" tIns="45000" bIns="45000" anchor="ctr">
             <a:noAutofit/>
           </a:bodyPr>
           <a:p>
@@ -7437,11 +6870,8 @@
               </a:rPr>
               <a:t>virtual environment</a:t>
             </a:r>
-            <a:endParaRPr b="0" lang="en-US" sz="5400" spc="-1" strike="noStrike">
-              <a:solidFill>
-                <a:srgbClr val="000000"/>
-              </a:solidFill>
-              <a:latin typeface="Rockwell"/>
+            <a:endParaRPr b="0" lang="en-IE" sz="5400" spc="-1" strike="noStrike">
+              <a:latin typeface="Arial"/>
             </a:endParaRPr>
           </a:p>
         </p:txBody>
@@ -7459,18 +6889,18 @@
         <p:spPr>
           <a:xfrm>
             <a:off x="1069920" y="2121480"/>
-            <a:ext cx="10058040" cy="3854520"/>
-          </a:xfrm>
-          <a:prstGeom prst="rect">
-            <a:avLst/>
-          </a:prstGeom>
-          <a:noFill/>
-          <a:ln w="0">
-            <a:noFill/>
-          </a:ln>
-        </p:spPr>
-        <p:txBody>
-          <a:bodyPr anchor="t">
+            <a:ext cx="10057680" cy="3854160"/>
+          </a:xfrm>
+          <a:prstGeom prst="rect">
+            <a:avLst/>
+          </a:prstGeom>
+          <a:noFill/>
+          <a:ln w="0">
+            <a:noFill/>
+          </a:ln>
+        </p:spPr>
+        <p:txBody>
+          <a:bodyPr lIns="90000" rIns="90000" tIns="45000" bIns="45000" anchor="t">
             <a:noAutofit/>
           </a:bodyPr>
           <a:p>
@@ -7497,11 +6927,8 @@
               </a:rPr>
               <a:t>Allows environments with different packages installed</a:t>
             </a:r>
-            <a:endParaRPr b="0" lang="en-US" sz="2000" spc="-1" strike="noStrike">
-              <a:solidFill>
-                <a:srgbClr val="000000"/>
-              </a:solidFill>
-              <a:latin typeface="Rockwell"/>
+            <a:endParaRPr b="0" lang="en-IE" sz="2000" spc="-1" strike="noStrike">
+              <a:latin typeface="Arial"/>
             </a:endParaRPr>
           </a:p>
           <a:p>
@@ -7528,11 +6955,8 @@
               </a:rPr>
               <a:t>What problem does a virtual environment solve? </a:t>
             </a:r>
-            <a:endParaRPr b="0" lang="en-US" sz="2000" spc="-1" strike="noStrike">
-              <a:solidFill>
-                <a:srgbClr val="000000"/>
-              </a:solidFill>
-              <a:latin typeface="Rockwell"/>
+            <a:endParaRPr b="0" lang="en-IE" sz="2000" spc="-1" strike="noStrike">
+              <a:latin typeface="Arial"/>
             </a:endParaRPr>
           </a:p>
           <a:p>
@@ -7562,11 +6986,8 @@
               </a:rPr>
               <a:t>The more Python projects you have, the more likely it is that you need to work with different versions of Python libraries, or even Python itself. Newer versions of libraries for one project can break compatibility in another project.</a:t>
             </a:r>
-            <a:endParaRPr b="0" lang="en-US" sz="1800" spc="-1" strike="noStrike">
-              <a:solidFill>
-                <a:srgbClr val="000000"/>
-              </a:solidFill>
-              <a:latin typeface="Rockwell"/>
+            <a:endParaRPr b="0" lang="en-IE" sz="1800" spc="-1" strike="noStrike">
+              <a:latin typeface="Arial"/>
             </a:endParaRPr>
           </a:p>
           <a:p>
@@ -7594,11 +7015,8 @@
               </a:rPr>
               <a:t>(from documentation)</a:t>
             </a:r>
-            <a:endParaRPr b="0" lang="en-US" sz="900" spc="-1" strike="noStrike">
-              <a:solidFill>
-                <a:srgbClr val="000000"/>
-              </a:solidFill>
-              <a:latin typeface="Rockwell"/>
+            <a:endParaRPr b="0" lang="en-IE" sz="900" spc="-1" strike="noStrike">
+              <a:latin typeface="Arial"/>
             </a:endParaRPr>
           </a:p>
         </p:txBody>
@@ -7646,18 +7064,18 @@
         <p:spPr>
           <a:xfrm>
             <a:off x="1069920" y="484560"/>
-            <a:ext cx="10058040" cy="1608840"/>
-          </a:xfrm>
-          <a:prstGeom prst="rect">
-            <a:avLst/>
-          </a:prstGeom>
-          <a:noFill/>
-          <a:ln w="0">
-            <a:noFill/>
-          </a:ln>
-        </p:spPr>
-        <p:txBody>
-          <a:bodyPr anchor="ctr">
+            <a:ext cx="10057680" cy="1608480"/>
+          </a:xfrm>
+          <a:prstGeom prst="rect">
+            <a:avLst/>
+          </a:prstGeom>
+          <a:noFill/>
+          <a:ln w="0">
+            <a:noFill/>
+          </a:ln>
+        </p:spPr>
+        <p:txBody>
+          <a:bodyPr lIns="90000" rIns="90000" tIns="45000" bIns="45000" anchor="ctr">
             <a:noAutofit/>
           </a:bodyPr>
           <a:p>
@@ -7673,11 +7091,8 @@
               </a:rPr>
               <a:t>Commands</a:t>
             </a:r>
-            <a:endParaRPr b="0" lang="en-US" sz="5400" spc="-1" strike="noStrike">
-              <a:solidFill>
-                <a:srgbClr val="000000"/>
-              </a:solidFill>
-              <a:latin typeface="Rockwell"/>
+            <a:endParaRPr b="0" lang="en-IE" sz="5400" spc="-1" strike="noStrike">
+              <a:latin typeface="Arial"/>
             </a:endParaRPr>
           </a:p>
         </p:txBody>
@@ -7690,7 +7105,7 @@
         </p:nvGraphicFramePr>
         <p:xfrm>
           <a:off x="589320" y="1605240"/>
-          <a:ext cx="10820160" cy="4504680"/>
+          <a:ext cx="10819800" cy="4845600"/>
         </p:xfrm>
         <a:graphic>
           <a:graphicData uri="http://schemas.openxmlformats.org/drawingml/2006/table">
@@ -9105,18 +8520,18 @@
         <p:spPr>
           <a:xfrm>
             <a:off x="1069920" y="484560"/>
-            <a:ext cx="10058040" cy="1608840"/>
-          </a:xfrm>
-          <a:prstGeom prst="rect">
-            <a:avLst/>
-          </a:prstGeom>
-          <a:noFill/>
-          <a:ln w="0">
-            <a:noFill/>
-          </a:ln>
-        </p:spPr>
-        <p:txBody>
-          <a:bodyPr anchor="ctr">
+            <a:ext cx="10057680" cy="1608480"/>
+          </a:xfrm>
+          <a:prstGeom prst="rect">
+            <a:avLst/>
+          </a:prstGeom>
+          <a:noFill/>
+          <a:ln w="0">
+            <a:noFill/>
+          </a:ln>
+        </p:spPr>
+        <p:txBody>
+          <a:bodyPr lIns="90000" rIns="90000" tIns="45000" bIns="45000" anchor="ctr">
             <a:noAutofit/>
           </a:bodyPr>
           <a:p>
@@ -9132,11 +8547,8 @@
               </a:rPr>
               <a:t>.gitignore</a:t>
             </a:r>
-            <a:endParaRPr b="0" lang="en-US" sz="5400" spc="-1" strike="noStrike">
-              <a:solidFill>
-                <a:srgbClr val="000000"/>
-              </a:solidFill>
-              <a:latin typeface="Rockwell"/>
+            <a:endParaRPr b="0" lang="en-IE" sz="5400" spc="-1" strike="noStrike">
+              <a:latin typeface="Arial"/>
             </a:endParaRPr>
           </a:p>
         </p:txBody>
@@ -9154,18 +8566,18 @@
         <p:spPr>
           <a:xfrm>
             <a:off x="1069920" y="2121480"/>
-            <a:ext cx="10058040" cy="4050360"/>
-          </a:xfrm>
-          <a:prstGeom prst="rect">
-            <a:avLst/>
-          </a:prstGeom>
-          <a:noFill/>
-          <a:ln w="0">
-            <a:noFill/>
-          </a:ln>
-        </p:spPr>
-        <p:txBody>
-          <a:bodyPr anchor="t">
+            <a:ext cx="10057680" cy="4050000"/>
+          </a:xfrm>
+          <a:prstGeom prst="rect">
+            <a:avLst/>
+          </a:prstGeom>
+          <a:noFill/>
+          <a:ln w="0">
+            <a:noFill/>
+          </a:ln>
+        </p:spPr>
+        <p:txBody>
+          <a:bodyPr lIns="90000" rIns="90000" tIns="45000" bIns="45000" anchor="t">
             <a:noAutofit/>
           </a:bodyPr>
           <a:p>
@@ -9192,11 +8604,8 @@
               </a:rPr>
               <a:t>Make a .gitignore file and put the name of the virtual environment directory in it</a:t>
             </a:r>
-            <a:endParaRPr b="0" lang="en-US" sz="2000" spc="-1" strike="noStrike">
-              <a:solidFill>
-                <a:srgbClr val="000000"/>
-              </a:solidFill>
-              <a:latin typeface="Rockwell"/>
+            <a:endParaRPr b="0" lang="en-IE" sz="2000" spc="-1" strike="noStrike">
+              <a:latin typeface="Arial"/>
             </a:endParaRPr>
           </a:p>
           <a:p>
@@ -9223,11 +8632,8 @@
               </a:rPr>
               <a:t>This will stop it being uploaded to GitHub</a:t>
             </a:r>
-            <a:endParaRPr b="0" lang="en-US" sz="2000" spc="-1" strike="noStrike">
-              <a:solidFill>
-                <a:srgbClr val="000000"/>
-              </a:solidFill>
-              <a:latin typeface="Rockwell"/>
+            <a:endParaRPr b="0" lang="en-IE" sz="2000" spc="-1" strike="noStrike">
+              <a:latin typeface="Arial"/>
             </a:endParaRPr>
           </a:p>
         </p:txBody>
@@ -9275,18 +8681,18 @@
         <p:spPr>
           <a:xfrm>
             <a:off x="1069920" y="484560"/>
-            <a:ext cx="10058040" cy="1608840"/>
-          </a:xfrm>
-          <a:prstGeom prst="rect">
-            <a:avLst/>
-          </a:prstGeom>
-          <a:noFill/>
-          <a:ln w="0">
-            <a:noFill/>
-          </a:ln>
-        </p:spPr>
-        <p:txBody>
-          <a:bodyPr anchor="ctr">
+            <a:ext cx="10057680" cy="1608480"/>
+          </a:xfrm>
+          <a:prstGeom prst="rect">
+            <a:avLst/>
+          </a:prstGeom>
+          <a:noFill/>
+          <a:ln w="0">
+            <a:noFill/>
+          </a:ln>
+        </p:spPr>
+        <p:txBody>
+          <a:bodyPr lIns="90000" rIns="90000" tIns="45000" bIns="45000" anchor="ctr">
             <a:noAutofit/>
           </a:bodyPr>
           <a:p>
@@ -9302,11 +8708,8 @@
               </a:rPr>
               <a:t>Demonstration</a:t>
             </a:r>
-            <a:endParaRPr b="0" lang="en-US" sz="5400" spc="-1" strike="noStrike">
-              <a:solidFill>
-                <a:srgbClr val="000000"/>
-              </a:solidFill>
-              <a:latin typeface="Rockwell"/>
+            <a:endParaRPr b="0" lang="en-IE" sz="5400" spc="-1" strike="noStrike">
+              <a:latin typeface="Arial"/>
             </a:endParaRPr>
           </a:p>
         </p:txBody>
@@ -9354,18 +8757,18 @@
         <p:spPr>
           <a:xfrm>
             <a:off x="1069920" y="484560"/>
-            <a:ext cx="10058040" cy="1608840"/>
-          </a:xfrm>
-          <a:prstGeom prst="rect">
-            <a:avLst/>
-          </a:prstGeom>
-          <a:noFill/>
-          <a:ln w="0">
-            <a:noFill/>
-          </a:ln>
-        </p:spPr>
-        <p:txBody>
-          <a:bodyPr anchor="ctr">
+            <a:ext cx="10057680" cy="1608480"/>
+          </a:xfrm>
+          <a:prstGeom prst="rect">
+            <a:avLst/>
+          </a:prstGeom>
+          <a:noFill/>
+          <a:ln w="0">
+            <a:noFill/>
+          </a:ln>
+        </p:spPr>
+        <p:txBody>
+          <a:bodyPr lIns="90000" rIns="90000" tIns="45000" bIns="45000" anchor="ctr">
             <a:noAutofit/>
           </a:bodyPr>
           <a:p>
@@ -9381,11 +8784,8 @@
               </a:rPr>
               <a:t>Summary</a:t>
             </a:r>
-            <a:endParaRPr b="0" lang="en-US" sz="5400" spc="-1" strike="noStrike">
-              <a:solidFill>
-                <a:srgbClr val="000000"/>
-              </a:solidFill>
-              <a:latin typeface="Rockwell"/>
+            <a:endParaRPr b="0" lang="en-IE" sz="5400" spc="-1" strike="noStrike">
+              <a:latin typeface="Arial"/>
             </a:endParaRPr>
           </a:p>
         </p:txBody>
@@ -9403,18 +8803,18 @@
         <p:spPr>
           <a:xfrm>
             <a:off x="1069920" y="2121480"/>
-            <a:ext cx="10058040" cy="4050360"/>
-          </a:xfrm>
-          <a:prstGeom prst="rect">
-            <a:avLst/>
-          </a:prstGeom>
-          <a:noFill/>
-          <a:ln w="0">
-            <a:noFill/>
-          </a:ln>
-        </p:spPr>
-        <p:txBody>
-          <a:bodyPr anchor="t">
+            <a:ext cx="10057680" cy="4050000"/>
+          </a:xfrm>
+          <a:prstGeom prst="rect">
+            <a:avLst/>
+          </a:prstGeom>
+          <a:noFill/>
+          <a:ln w="0">
+            <a:noFill/>
+          </a:ln>
+        </p:spPr>
+        <p:txBody>
+          <a:bodyPr lIns="90000" rIns="90000" tIns="45000" bIns="45000" anchor="t">
             <a:noAutofit/>
           </a:bodyPr>
           <a:p>
@@ -9441,11 +8841,8 @@
               </a:rPr>
               <a:t>Virtual environments are useful in controlling what python module are installed</a:t>
             </a:r>
-            <a:endParaRPr b="0" lang="en-US" sz="2000" spc="-1" strike="noStrike">
-              <a:solidFill>
-                <a:srgbClr val="000000"/>
-              </a:solidFill>
-              <a:latin typeface="Rockwell"/>
+            <a:endParaRPr b="0" lang="en-IE" sz="2000" spc="-1" strike="noStrike">
+              <a:latin typeface="Arial"/>
             </a:endParaRPr>
           </a:p>
         </p:txBody>
